--- a/pingpong/乒乓球20240527.pptx
+++ b/pingpong/乒乓球20240527.pptx
@@ -220,7 +220,7 @@
             <a:pPr rtl="0"/>
             <a:fld id="{550261E5-B7A8-407C-8EC1-76B17CEB3BFC}" type="datetime1">
               <a:rPr lang="zh-TW" altLang="en-US" smtClean="0"/>
-              <a:t>2024/5/27</a:t>
+              <a:t>2024/5/29</a:t>
             </a:fld>
             <a:endParaRPr lang="en-US" dirty="0"/>
           </a:p>
@@ -390,7 +390,7 @@
             <a:pPr rtl="0"/>
             <a:fld id="{950AEE62-6B03-446E-B028-1F2C67AA2CBE}" type="datetime1">
               <a:rPr lang="zh-TW" altLang="en-US" smtClean="0"/>
-              <a:t>2024/5/27</a:t>
+              <a:t>2024/5/29</a:t>
             </a:fld>
             <a:endParaRPr lang="en-US"/>
           </a:p>
@@ -1414,7 +1414,7 @@
             <a:pPr rtl="0"/>
             <a:fld id="{91E8D126-38DE-467F-A065-2775F6C58740}" type="datetime1">
               <a:rPr lang="zh-TW" altLang="en-US" smtClean="0"/>
-              <a:t>2024/5/27</a:t>
+              <a:t>2024/5/29</a:t>
             </a:fld>
             <a:endParaRPr lang="en-US" dirty="0"/>
           </a:p>
@@ -1606,7 +1606,7 @@
             <a:pPr rtl="0"/>
             <a:fld id="{7AD90E0D-C35F-4A14-A7E8-7670CE6639F2}" type="datetime1">
               <a:rPr lang="zh-TW" altLang="en-US" smtClean="0"/>
-              <a:t>2024/5/27</a:t>
+              <a:t>2024/5/29</a:t>
             </a:fld>
             <a:endParaRPr lang="en-US" dirty="0"/>
           </a:p>
@@ -1852,7 +1852,7 @@
             <a:pPr rtl="0"/>
             <a:fld id="{E2E02858-A2D1-43A3-9BDC-80D1F48AA51B}" type="datetime1">
               <a:rPr lang="zh-TW" altLang="en-US" smtClean="0"/>
-              <a:t>2024/5/27</a:t>
+              <a:t>2024/5/29</a:t>
             </a:fld>
             <a:endParaRPr lang="en-US" dirty="0"/>
           </a:p>
@@ -2044,7 +2044,7 @@
             <a:pPr rtl="0"/>
             <a:fld id="{A55B7815-05FA-48A0-B9F7-1E04C4F2927A}" type="datetime1">
               <a:rPr lang="zh-TW" altLang="en-US" smtClean="0"/>
-              <a:t>2024/5/27</a:t>
+              <a:t>2024/5/29</a:t>
             </a:fld>
             <a:endParaRPr lang="en-US" dirty="0"/>
           </a:p>
@@ -2421,7 +2421,7 @@
             <a:pPr rtl="0"/>
             <a:fld id="{3FBF2AB9-D521-429F-BA9E-A2DD356AF2DF}" type="datetime1">
               <a:rPr lang="zh-TW" altLang="en-US" smtClean="0"/>
-              <a:t>2024/5/27</a:t>
+              <a:t>2024/5/29</a:t>
             </a:fld>
             <a:endParaRPr lang="en-US" dirty="0"/>
           </a:p>
@@ -2680,7 +2680,7 @@
             <a:pPr rtl="0"/>
             <a:fld id="{E748A74C-3BFC-4F64-9D88-E80E3E32994C}" type="datetime1">
               <a:rPr lang="zh-TW" altLang="en-US" smtClean="0"/>
-              <a:t>2024/5/27</a:t>
+              <a:t>2024/5/29</a:t>
             </a:fld>
             <a:endParaRPr lang="en-US" dirty="0"/>
           </a:p>
@@ -3081,7 +3081,7 @@
             <a:pPr rtl="0"/>
             <a:fld id="{C0166BAE-2749-48CF-A2DD-C010F9F8CC67}" type="datetime1">
               <a:rPr lang="zh-TW" altLang="en-US" smtClean="0"/>
-              <a:t>2024/5/27</a:t>
+              <a:t>2024/5/29</a:t>
             </a:fld>
             <a:endParaRPr lang="en-US" dirty="0"/>
           </a:p>
@@ -3221,7 +3221,7 @@
             <a:pPr rtl="0"/>
             <a:fld id="{42EB3E87-0960-43A6-B33B-AB6B15A82628}" type="datetime1">
               <a:rPr lang="zh-TW" altLang="en-US" smtClean="0"/>
-              <a:t>2024/5/27</a:t>
+              <a:t>2024/5/29</a:t>
             </a:fld>
             <a:endParaRPr lang="en-US" dirty="0"/>
           </a:p>
@@ -3381,7 +3381,7 @@
             <a:pPr rtl="0"/>
             <a:fld id="{0A92F8F0-693D-4EF4-BEF5-7FD95F4C1D80}" type="datetime1">
               <a:rPr lang="zh-TW" altLang="en-US" smtClean="0"/>
-              <a:t>2024/5/27</a:t>
+              <a:t>2024/5/29</a:t>
             </a:fld>
             <a:endParaRPr lang="en-US" dirty="0"/>
           </a:p>
@@ -3714,7 +3714,7 @@
             <a:pPr rtl="0"/>
             <a:fld id="{4E96419C-65CA-4A96-8C8D-1B83D1EEA06C}" type="datetime1">
               <a:rPr lang="zh-TW" altLang="en-US" smtClean="0"/>
-              <a:t>2024/5/27</a:t>
+              <a:t>2024/5/29</a:t>
             </a:fld>
             <a:endParaRPr lang="en-US" dirty="0"/>
           </a:p>
@@ -4069,7 +4069,7 @@
             <a:pPr rtl="0"/>
             <a:fld id="{55B0D56E-A8D9-4835-9121-D0F2B7B922B1}" type="datetime1">
               <a:rPr lang="zh-TW" altLang="en-US" smtClean="0"/>
-              <a:t>2024/5/27</a:t>
+              <a:t>2024/5/29</a:t>
             </a:fld>
             <a:endParaRPr lang="en-US" dirty="0"/>
           </a:p>
@@ -4334,7 +4334,7 @@
           <a:p>
             <a:fld id="{86D72111-2BF8-49E3-AA06-55BC47AB46EA}" type="datetime1">
               <a:rPr lang="zh-TW" altLang="en-US" smtClean="0"/>
-              <a:t>2024/5/27</a:t>
+              <a:t>2024/5/29</a:t>
             </a:fld>
             <a:endParaRPr lang="en-US" dirty="0"/>
           </a:p>
@@ -13081,7 +13081,7 @@
             <a:pPr rtl="0"/>
             <a:fld id="{A55B7815-05FA-48A0-B9F7-1E04C4F2927A}" type="datetime1">
               <a:rPr lang="zh-TW" altLang="en-US" smtClean="0"/>
-              <a:t>2024/5/27</a:t>
+              <a:t>2024/5/29</a:t>
             </a:fld>
             <a:endParaRPr lang="en-US" dirty="0"/>
           </a:p>
@@ -13448,7 +13448,7 @@
             <a:pPr rtl="0"/>
             <a:fld id="{A55B7815-05FA-48A0-B9F7-1E04C4F2927A}" type="datetime1">
               <a:rPr lang="zh-TW" altLang="en-US" smtClean="0"/>
-              <a:t>2024/5/27</a:t>
+              <a:t>2024/5/29</a:t>
             </a:fld>
             <a:endParaRPr lang="en-US" dirty="0"/>
           </a:p>
@@ -13542,7 +13542,7 @@
                 <a:latin typeface="標楷體" panose="03000509000000000000" pitchFamily="65" charset="-120"/>
                 <a:ea typeface="標楷體" panose="03000509000000000000" pitchFamily="65" charset="-120"/>
               </a:rPr>
-              <a:t>2024/5/27</a:t>
+              <a:t>2024/5/29</a:t>
             </a:fld>
             <a:endParaRPr lang="en-US" dirty="0">
               <a:latin typeface="標楷體" panose="03000509000000000000" pitchFamily="65" charset="-120"/>
@@ -14756,7 +14756,7 @@
             <a:pPr rtl="0"/>
             <a:fld id="{A55B7815-05FA-48A0-B9F7-1E04C4F2927A}" type="datetime1">
               <a:rPr lang="zh-TW" altLang="en-US" smtClean="0"/>
-              <a:t>2024/5/27</a:t>
+              <a:t>2024/5/29</a:t>
             </a:fld>
             <a:endParaRPr lang="en-US" dirty="0"/>
           </a:p>
@@ -16703,7 +16703,7 @@
             <a:pPr rtl="0"/>
             <a:fld id="{A55B7815-05FA-48A0-B9F7-1E04C4F2927A}" type="datetime1">
               <a:rPr lang="zh-TW" altLang="en-US" smtClean="0"/>
-              <a:t>2024/5/27</a:t>
+              <a:t>2024/5/29</a:t>
             </a:fld>
             <a:endParaRPr lang="en-US" dirty="0"/>
           </a:p>
@@ -17463,7 +17463,7 @@
             <a:pPr rtl="0"/>
             <a:fld id="{A55B7815-05FA-48A0-B9F7-1E04C4F2927A}" type="datetime1">
               <a:rPr lang="zh-TW" altLang="en-US" smtClean="0"/>
-              <a:t>2024/5/27</a:t>
+              <a:t>2024/5/29</a:t>
             </a:fld>
             <a:endParaRPr lang="en-US" dirty="0"/>
           </a:p>
@@ -18562,7 +18562,7 @@
             <a:pPr rtl="0"/>
             <a:fld id="{A55B7815-05FA-48A0-B9F7-1E04C4F2927A}" type="datetime1">
               <a:rPr lang="zh-TW" altLang="en-US" smtClean="0"/>
-              <a:t>2024/5/27</a:t>
+              <a:t>2024/5/29</a:t>
             </a:fld>
             <a:endParaRPr lang="en-US" dirty="0"/>
           </a:p>
@@ -20003,201 +20003,257 @@
           </a:p>
         </p:txBody>
       </p:sp>
-      <p:sp>
-        <p:nvSpPr>
-          <p:cNvPr id="4" name="日期版面配置區 3">
-            <a:extLst>
-              <a:ext uri="{FF2B5EF4-FFF2-40B4-BE49-F238E27FC236}">
-                <a16:creationId xmlns:a16="http://schemas.microsoft.com/office/drawing/2014/main" id="{ED01FCDF-8EA5-4884-A7AA-98E2D97C66D1}"/>
-              </a:ext>
-            </a:extLst>
-          </p:cNvPr>
-          <p:cNvSpPr>
-            <a:spLocks noGrp="1"/>
-          </p:cNvSpPr>
-          <p:nvPr>
-            <p:ph type="dt" sz="half" idx="10"/>
-          </p:nvPr>
-        </p:nvSpPr>
-        <p:spPr/>
-        <p:txBody>
-          <a:bodyPr/>
-          <a:lstStyle/>
-          <a:p>
-            <a:pPr rtl="0"/>
-            <a:fld id="{A55B7815-05FA-48A0-B9F7-1E04C4F2927A}" type="datetime1">
-              <a:rPr lang="zh-TW" altLang="en-US" smtClean="0"/>
-              <a:t>2024/5/27</a:t>
-            </a:fld>
-            <a:endParaRPr lang="en-US" dirty="0"/>
-          </a:p>
-        </p:txBody>
-      </p:sp>
-      <p:sp>
-        <p:nvSpPr>
-          <p:cNvPr id="9" name="文字方塊 8">
-            <a:extLst>
-              <a:ext uri="{FF2B5EF4-FFF2-40B4-BE49-F238E27FC236}">
-                <a16:creationId xmlns:a16="http://schemas.microsoft.com/office/drawing/2014/main" id="{A2395A23-EFF8-4294-95FE-4F6A484FF684}"/>
-              </a:ext>
-            </a:extLst>
-          </p:cNvPr>
-          <p:cNvSpPr txBox="1"/>
-          <p:nvPr/>
-        </p:nvSpPr>
-        <p:spPr>
-          <a:xfrm>
-            <a:off x="5939405" y="2228671"/>
-            <a:ext cx="4689446" cy="1200329"/>
-          </a:xfrm>
-          <a:prstGeom prst="rect">
-            <a:avLst/>
-          </a:prstGeom>
-          <a:noFill/>
-        </p:spPr>
-        <p:txBody>
-          <a:bodyPr wrap="square" rtlCol="0">
-            <a:spAutoFit/>
-          </a:bodyPr>
-          <a:lstStyle/>
-          <a:p>
-            <a:r>
-              <a:rPr lang="en-US" altLang="zh-TW" dirty="0">
-                <a:latin typeface="Times New Roman" panose="02020603050405020304" pitchFamily="18" charset="0"/>
-                <a:ea typeface="標楷體" panose="03000509000000000000" pitchFamily="65" charset="-120"/>
-              </a:rPr>
-              <a:t>x` =</a:t>
-            </a:r>
-            <a:r>
-              <a:rPr lang="zh-TW" altLang="en-US" dirty="0">
-                <a:latin typeface="Times New Roman" panose="02020603050405020304" pitchFamily="18" charset="0"/>
-                <a:ea typeface="標楷體" panose="03000509000000000000" pitchFamily="65" charset="-120"/>
-              </a:rPr>
-              <a:t> 未知。</a:t>
-            </a:r>
-            <a:endParaRPr lang="en-US" altLang="zh-TW" dirty="0">
-              <a:latin typeface="Times New Roman" panose="02020603050405020304" pitchFamily="18" charset="0"/>
-              <a:ea typeface="標楷體" panose="03000509000000000000" pitchFamily="65" charset="-120"/>
-            </a:endParaRPr>
-          </a:p>
-          <a:p>
-            <a:r>
-              <a:rPr lang="en-US" altLang="zh-TW" dirty="0">
-                <a:latin typeface="Times New Roman" panose="02020603050405020304" pitchFamily="18" charset="0"/>
-                <a:ea typeface="標楷體" panose="03000509000000000000" pitchFamily="65" charset="-120"/>
-              </a:rPr>
-              <a:t>y` = 400</a:t>
-            </a:r>
-            <a:r>
-              <a:rPr lang="zh-TW" altLang="en-US" dirty="0">
-                <a:latin typeface="Times New Roman" panose="02020603050405020304" pitchFamily="18" charset="0"/>
-                <a:ea typeface="標楷體" panose="03000509000000000000" pitchFamily="65" charset="-120"/>
-              </a:rPr>
-              <a:t>，球拍固定位置。</a:t>
-            </a:r>
-            <a:endParaRPr lang="en-US" altLang="zh-TW" dirty="0">
-              <a:latin typeface="Times New Roman" panose="02020603050405020304" pitchFamily="18" charset="0"/>
-              <a:ea typeface="標楷體" panose="03000509000000000000" pitchFamily="65" charset="-120"/>
-            </a:endParaRPr>
-          </a:p>
-          <a:p>
-            <a:r>
-              <a:rPr lang="en-US" altLang="zh-TW" dirty="0">
-                <a:latin typeface="Times New Roman" panose="02020603050405020304" pitchFamily="18" charset="0"/>
-                <a:ea typeface="標楷體" panose="03000509000000000000" pitchFamily="65" charset="-120"/>
-              </a:rPr>
-              <a:t>x </a:t>
-            </a:r>
-            <a:r>
-              <a:rPr lang="zh-TW" altLang="en-US" dirty="0">
-                <a:latin typeface="Times New Roman" panose="02020603050405020304" pitchFamily="18" charset="0"/>
-                <a:ea typeface="標楷體" panose="03000509000000000000" pitchFamily="65" charset="-120"/>
-              </a:rPr>
-              <a:t>、</a:t>
-            </a:r>
-            <a:r>
-              <a:rPr lang="en-US" altLang="zh-TW" dirty="0">
-                <a:latin typeface="Times New Roman" panose="02020603050405020304" pitchFamily="18" charset="0"/>
-                <a:ea typeface="標楷體" panose="03000509000000000000" pitchFamily="65" charset="-120"/>
-              </a:rPr>
-              <a:t>y =</a:t>
-            </a:r>
-            <a:r>
-              <a:rPr lang="zh-TW" altLang="en-US" dirty="0">
-                <a:latin typeface="Times New Roman" panose="02020603050405020304" pitchFamily="18" charset="0"/>
-                <a:ea typeface="標楷體" panose="03000509000000000000" pitchFamily="65" charset="-120"/>
-              </a:rPr>
-              <a:t> 球當前位置。</a:t>
-            </a:r>
-            <a:endParaRPr lang="en-US" altLang="zh-TW" dirty="0">
-              <a:latin typeface="Times New Roman" panose="02020603050405020304" pitchFamily="18" charset="0"/>
-              <a:ea typeface="標楷體" panose="03000509000000000000" pitchFamily="65" charset="-120"/>
-            </a:endParaRPr>
-          </a:p>
-          <a:p>
-            <a:r>
-              <a:rPr lang="en-US" altLang="zh-TW" dirty="0">
-                <a:latin typeface="Times New Roman" panose="02020603050405020304" pitchFamily="18" charset="0"/>
-                <a:ea typeface="標楷體" panose="03000509000000000000" pitchFamily="65" charset="-120"/>
-              </a:rPr>
-              <a:t>m = </a:t>
-            </a:r>
-            <a:r>
-              <a:rPr lang="zh-TW" altLang="en-US" dirty="0">
-                <a:latin typeface="Times New Roman" panose="02020603050405020304" pitchFamily="18" charset="0"/>
-                <a:ea typeface="標楷體" panose="03000509000000000000" pitchFamily="65" charset="-120"/>
-              </a:rPr>
-              <a:t>利用球當前位置與前一幀位置計算斜率。</a:t>
-            </a:r>
-            <a:r>
-              <a:rPr lang="en-US" altLang="zh-TW" dirty="0">
-                <a:latin typeface="Times New Roman" panose="02020603050405020304" pitchFamily="18" charset="0"/>
-                <a:ea typeface="標楷體" panose="03000509000000000000" pitchFamily="65" charset="-120"/>
-              </a:rPr>
-              <a:t> </a:t>
-            </a:r>
-            <a:endParaRPr lang="zh-TW" altLang="en-US" dirty="0">
-              <a:latin typeface="Times New Roman" panose="02020603050405020304" pitchFamily="18" charset="0"/>
-              <a:ea typeface="標楷體" panose="03000509000000000000" pitchFamily="65" charset="-120"/>
-            </a:endParaRPr>
-          </a:p>
-        </p:txBody>
-      </p:sp>
-      <p:pic>
-        <p:nvPicPr>
-          <p:cNvPr id="15" name="圖片 14">
-            <a:extLst>
-              <a:ext uri="{FF2B5EF4-FFF2-40B4-BE49-F238E27FC236}">
-                <a16:creationId xmlns:a16="http://schemas.microsoft.com/office/drawing/2014/main" id="{A2A1AA03-C627-4909-AD48-35FE151950B2}"/>
-              </a:ext>
-            </a:extLst>
-          </p:cNvPr>
-          <p:cNvPicPr>
-            <a:picLocks noChangeAspect="1"/>
-          </p:cNvPicPr>
-          <p:nvPr/>
-        </p:nvPicPr>
-        <p:blipFill>
-          <a:blip r:embed="rId2"/>
-          <a:stretch>
-            <a:fillRect/>
-          </a:stretch>
-        </p:blipFill>
-        <p:spPr>
-          <a:xfrm>
-            <a:off x="1808247" y="3920309"/>
-            <a:ext cx="3105150" cy="1181100"/>
-          </a:xfrm>
-          <a:prstGeom prst="rect">
-            <a:avLst/>
-          </a:prstGeom>
-          <a:ln>
-            <a:solidFill>
-              <a:schemeClr val="tx1"/>
-            </a:solidFill>
-          </a:ln>
-        </p:spPr>
-      </p:pic>
+      <mc:AlternateContent xmlns:mc="http://schemas.openxmlformats.org/markup-compatibility/2006">
+        <mc:Choice xmlns:a14="http://schemas.microsoft.com/office/drawing/2010/main" Requires="a14">
+          <p:sp>
+            <p:nvSpPr>
+              <p:cNvPr id="9" name="文字方塊 8">
+                <a:extLst>
+                  <a:ext uri="{FF2B5EF4-FFF2-40B4-BE49-F238E27FC236}">
+                    <a16:creationId xmlns:a16="http://schemas.microsoft.com/office/drawing/2014/main" id="{A2395A23-EFF8-4294-95FE-4F6A484FF684}"/>
+                  </a:ext>
+                </a:extLst>
+              </p:cNvPr>
+              <p:cNvSpPr txBox="1"/>
+              <p:nvPr/>
+            </p:nvSpPr>
+            <p:spPr>
+              <a:xfrm>
+                <a:off x="5939405" y="2228671"/>
+                <a:ext cx="4689446" cy="1498744"/>
+              </a:xfrm>
+              <a:prstGeom prst="rect">
+                <a:avLst/>
+              </a:prstGeom>
+              <a:noFill/>
+            </p:spPr>
+            <p:txBody>
+              <a:bodyPr wrap="square" rtlCol="0">
+                <a:spAutoFit/>
+              </a:bodyPr>
+              <a:lstStyle/>
+              <a:p>
+                <a:r>
+                  <a:rPr lang="en-US" altLang="zh-TW" dirty="0">
+                    <a:latin typeface="Times New Roman" panose="02020603050405020304" pitchFamily="18" charset="0"/>
+                    <a:ea typeface="標楷體" panose="03000509000000000000" pitchFamily="65" charset="-120"/>
+                  </a:rPr>
+                  <a:t>x` =</a:t>
+                </a:r>
+                <a:r>
+                  <a:rPr lang="zh-TW" altLang="en-US" dirty="0">
+                    <a:latin typeface="Times New Roman" panose="02020603050405020304" pitchFamily="18" charset="0"/>
+                    <a:ea typeface="標楷體" panose="03000509000000000000" pitchFamily="65" charset="-120"/>
+                  </a:rPr>
+                  <a:t>預測球落在板子上的位置。</a:t>
+                </a:r>
+                <a:endParaRPr lang="en-US" altLang="zh-TW" dirty="0">
+                  <a:latin typeface="Times New Roman" panose="02020603050405020304" pitchFamily="18" charset="0"/>
+                  <a:ea typeface="標楷體" panose="03000509000000000000" pitchFamily="65" charset="-120"/>
+                </a:endParaRPr>
+              </a:p>
+              <a:p>
+                <a:r>
+                  <a:rPr lang="en-US" altLang="zh-TW" dirty="0">
+                    <a:latin typeface="Times New Roman" panose="02020603050405020304" pitchFamily="18" charset="0"/>
+                    <a:ea typeface="標楷體" panose="03000509000000000000" pitchFamily="65" charset="-120"/>
+                  </a:rPr>
+                  <a:t>y` = 400</a:t>
+                </a:r>
+                <a:r>
+                  <a:rPr lang="zh-TW" altLang="en-US" dirty="0">
+                    <a:latin typeface="Times New Roman" panose="02020603050405020304" pitchFamily="18" charset="0"/>
+                    <a:ea typeface="標楷體" panose="03000509000000000000" pitchFamily="65" charset="-120"/>
+                  </a:rPr>
+                  <a:t>，球拍固定位置。</a:t>
+                </a:r>
+                <a:endParaRPr lang="en-US" altLang="zh-TW" dirty="0">
+                  <a:latin typeface="Times New Roman" panose="02020603050405020304" pitchFamily="18" charset="0"/>
+                  <a:ea typeface="標楷體" panose="03000509000000000000" pitchFamily="65" charset="-120"/>
+                </a:endParaRPr>
+              </a:p>
+              <a:p>
+                <a:r>
+                  <a:rPr lang="en-US" altLang="zh-TW" dirty="0">
+                    <a:latin typeface="Times New Roman" panose="02020603050405020304" pitchFamily="18" charset="0"/>
+                    <a:ea typeface="標楷體" panose="03000509000000000000" pitchFamily="65" charset="-120"/>
+                  </a:rPr>
+                  <a:t>x </a:t>
+                </a:r>
+                <a:r>
+                  <a:rPr lang="zh-TW" altLang="en-US" dirty="0">
+                    <a:latin typeface="Times New Roman" panose="02020603050405020304" pitchFamily="18" charset="0"/>
+                    <a:ea typeface="標楷體" panose="03000509000000000000" pitchFamily="65" charset="-120"/>
+                  </a:rPr>
+                  <a:t>、</a:t>
+                </a:r>
+                <a:r>
+                  <a:rPr lang="en-US" altLang="zh-TW" dirty="0">
+                    <a:latin typeface="Times New Roman" panose="02020603050405020304" pitchFamily="18" charset="0"/>
+                    <a:ea typeface="標楷體" panose="03000509000000000000" pitchFamily="65" charset="-120"/>
+                  </a:rPr>
+                  <a:t>y =</a:t>
+                </a:r>
+                <a:r>
+                  <a:rPr lang="zh-TW" altLang="en-US" dirty="0">
+                    <a:latin typeface="Times New Roman" panose="02020603050405020304" pitchFamily="18" charset="0"/>
+                    <a:ea typeface="標楷體" panose="03000509000000000000" pitchFamily="65" charset="-120"/>
+                  </a:rPr>
+                  <a:t> 球當前位置。</a:t>
+                </a:r>
+                <a:endParaRPr lang="en-US" altLang="zh-TW" dirty="0">
+                  <a:latin typeface="Times New Roman" panose="02020603050405020304" pitchFamily="18" charset="0"/>
+                  <a:ea typeface="標楷體" panose="03000509000000000000" pitchFamily="65" charset="-120"/>
+                </a:endParaRPr>
+              </a:p>
+              <a:p>
+                <a14:m>
+                  <m:oMath xmlns:m="http://schemas.openxmlformats.org/officeDocument/2006/math">
+                    <m:sSub>
+                      <m:sSubPr>
+                        <m:ctrlPr>
+                          <a:rPr lang="en-US" altLang="zh-TW" i="1" smtClean="0">
+                            <a:latin typeface="Cambria Math" panose="02040503050406030204" pitchFamily="18" charset="0"/>
+                          </a:rPr>
+                        </m:ctrlPr>
+                      </m:sSubPr>
+                      <m:e>
+                        <m:r>
+                          <a:rPr lang="en-US" altLang="zh-TW" b="0" i="1" smtClean="0">
+                            <a:latin typeface="Cambria Math" panose="02040503050406030204" pitchFamily="18" charset="0"/>
+                          </a:rPr>
+                          <m:t>𝑥</m:t>
+                        </m:r>
+                      </m:e>
+                      <m:sub>
+                        <m:r>
+                          <a:rPr lang="en-US" altLang="zh-TW" i="1">
+                            <a:latin typeface="Cambria Math" panose="02040503050406030204" pitchFamily="18" charset="0"/>
+                          </a:rPr>
+                          <m:t>𝑝𝑟𝑒</m:t>
+                        </m:r>
+                      </m:sub>
+                    </m:sSub>
+                    <m:r>
+                      <a:rPr lang="zh-TW" altLang="en-US" i="1">
+                        <a:latin typeface="Cambria Math" panose="02040503050406030204" pitchFamily="18" charset="0"/>
+                      </a:rPr>
+                      <m:t>、</m:t>
+                    </m:r>
+                    <m:sSub>
+                      <m:sSubPr>
+                        <m:ctrlPr>
+                          <a:rPr lang="en-US" altLang="zh-TW" i="1" smtClean="0">
+                            <a:latin typeface="Cambria Math" panose="02040503050406030204" pitchFamily="18" charset="0"/>
+                          </a:rPr>
+                        </m:ctrlPr>
+                      </m:sSubPr>
+                      <m:e>
+                        <m:r>
+                          <a:rPr lang="en-US" altLang="zh-TW" b="0" i="1" smtClean="0">
+                            <a:latin typeface="Cambria Math" panose="02040503050406030204" pitchFamily="18" charset="0"/>
+                          </a:rPr>
+                          <m:t>𝑦</m:t>
+                        </m:r>
+                      </m:e>
+                      <m:sub>
+                        <m:r>
+                          <a:rPr lang="en-US" altLang="zh-TW" b="0" i="1" smtClean="0">
+                            <a:latin typeface="Cambria Math" panose="02040503050406030204" pitchFamily="18" charset="0"/>
+                          </a:rPr>
+                          <m:t>𝑝𝑟𝑒</m:t>
+                        </m:r>
+                      </m:sub>
+                    </m:sSub>
+                  </m:oMath>
+                </a14:m>
+                <a:r>
+                  <a:rPr lang="en-US" altLang="zh-TW" dirty="0">
+                    <a:latin typeface="Times New Roman" panose="02020603050405020304" pitchFamily="18" charset="0"/>
+                    <a:ea typeface="標楷體" panose="03000509000000000000" pitchFamily="65" charset="-120"/>
+                  </a:rPr>
+                  <a:t>  =</a:t>
+                </a:r>
+                <a:r>
+                  <a:rPr lang="zh-TW" altLang="en-US" dirty="0">
+                    <a:latin typeface="Times New Roman" panose="02020603050405020304" pitchFamily="18" charset="0"/>
+                    <a:ea typeface="標楷體" panose="03000509000000000000" pitchFamily="65" charset="-120"/>
+                  </a:rPr>
+                  <a:t> 球前一幀位置。</a:t>
+                </a:r>
+                <a:endParaRPr lang="en-US" altLang="zh-TW" dirty="0">
+                  <a:latin typeface="Times New Roman" panose="02020603050405020304" pitchFamily="18" charset="0"/>
+                  <a:ea typeface="標楷體" panose="03000509000000000000" pitchFamily="65" charset="-120"/>
+                </a:endParaRPr>
+              </a:p>
+              <a:p>
+                <a:r>
+                  <a:rPr lang="en-US" altLang="zh-TW" dirty="0">
+                    <a:latin typeface="Times New Roman" panose="02020603050405020304" pitchFamily="18" charset="0"/>
+                    <a:ea typeface="標楷體" panose="03000509000000000000" pitchFamily="65" charset="-120"/>
+                  </a:rPr>
+                  <a:t>m = </a:t>
+                </a:r>
+                <a:r>
+                  <a:rPr lang="zh-TW" altLang="en-US" dirty="0">
+                    <a:latin typeface="Times New Roman" panose="02020603050405020304" pitchFamily="18" charset="0"/>
+                    <a:ea typeface="標楷體" panose="03000509000000000000" pitchFamily="65" charset="-120"/>
+                  </a:rPr>
+                  <a:t>利用球當前位置與前一幀位置計算斜率。</a:t>
+                </a:r>
+                <a:endParaRPr lang="en-US" altLang="zh-TW" dirty="0">
+                  <a:latin typeface="Times New Roman" panose="02020603050405020304" pitchFamily="18" charset="0"/>
+                  <a:ea typeface="標楷體" panose="03000509000000000000" pitchFamily="65" charset="-120"/>
+                </a:endParaRPr>
+              </a:p>
+            </p:txBody>
+          </p:sp>
+        </mc:Choice>
+        <mc:Fallback>
+          <p:sp>
+            <p:nvSpPr>
+              <p:cNvPr id="9" name="文字方塊 8">
+                <a:extLst>
+                  <a:ext uri="{FF2B5EF4-FFF2-40B4-BE49-F238E27FC236}">
+                    <a16:creationId xmlns:a16="http://schemas.microsoft.com/office/drawing/2014/main" id="{A2395A23-EFF8-4294-95FE-4F6A484FF684}"/>
+                  </a:ext>
+                </a:extLst>
+              </p:cNvPr>
+              <p:cNvSpPr txBox="1">
+                <a:spLocks noRot="1" noChangeAspect="1" noMove="1" noResize="1" noEditPoints="1" noAdjustHandles="1" noChangeArrowheads="1" noChangeShapeType="1" noTextEdit="1"/>
+              </p:cNvSpPr>
+              <p:nvPr/>
+            </p:nvSpPr>
+            <p:spPr>
+              <a:xfrm>
+                <a:off x="5939405" y="2228671"/>
+                <a:ext cx="4689446" cy="1498744"/>
+              </a:xfrm>
+              <a:prstGeom prst="rect">
+                <a:avLst/>
+              </a:prstGeom>
+              <a:blipFill>
+                <a:blip r:embed="rId2"/>
+                <a:stretch>
+                  <a:fillRect l="-1039" t="-2449" r="-1688" b="-6531"/>
+                </a:stretch>
+              </a:blipFill>
+            </p:spPr>
+            <p:txBody>
+              <a:bodyPr/>
+              <a:lstStyle/>
+              <a:p>
+                <a:r>
+                  <a:rPr lang="zh-TW" altLang="en-US">
+                    <a:noFill/>
+                  </a:rPr>
+                  <a:t> </a:t>
+                </a:r>
+              </a:p>
+            </p:txBody>
+          </p:sp>
+        </mc:Fallback>
+      </mc:AlternateContent>
       <p:cxnSp>
         <p:nvCxnSpPr>
           <p:cNvPr id="17" name="直線單箭頭接點 16">
@@ -20209,8 +20265,6 @@
           </p:cNvPr>
           <p:cNvCxnSpPr>
             <a:cxnSpLocks/>
-            <a:stCxn id="21" idx="2"/>
-            <a:endCxn id="15" idx="0"/>
           </p:cNvCxnSpPr>
           <p:nvPr/>
         </p:nvCxnSpPr>
@@ -20228,13 +20282,13 @@
         </p:spPr>
         <p:style>
           <a:lnRef idx="1">
-            <a:schemeClr val="accent1"/>
+            <a:schemeClr val="dk1"/>
           </a:lnRef>
           <a:fillRef idx="0">
-            <a:schemeClr val="accent1"/>
+            <a:schemeClr val="dk1"/>
           </a:fillRef>
           <a:effectRef idx="0">
-            <a:schemeClr val="accent1"/>
+            <a:schemeClr val="dk1"/>
           </a:effectRef>
           <a:fontRef idx="minor">
             <a:schemeClr val="tx1"/>
@@ -20255,8 +20309,832 @@
         </p:nvSpPr>
         <p:spPr>
           <a:xfrm>
-            <a:off x="3414608" y="3382787"/>
-            <a:ext cx="1216404" cy="369332"/>
+            <a:off x="3460479" y="3339166"/>
+            <a:ext cx="2373717" cy="369332"/>
+          </a:xfrm>
+          <a:prstGeom prst="rect">
+            <a:avLst/>
+          </a:prstGeom>
+          <a:noFill/>
+          <a:ln>
+            <a:noFill/>
+          </a:ln>
+        </p:spPr>
+        <p:txBody>
+          <a:bodyPr wrap="square" rtlCol="0">
+            <a:spAutoFit/>
+          </a:bodyPr>
+          <a:lstStyle/>
+          <a:p>
+            <a:r>
+              <a:rPr lang="zh-TW" altLang="en-US" dirty="0">
+                <a:latin typeface="標楷體" panose="03000509000000000000" pitchFamily="65" charset="-120"/>
+                <a:ea typeface="標楷體" panose="03000509000000000000" pitchFamily="65" charset="-120"/>
+              </a:rPr>
+              <a:t>參數帶入、並移項</a:t>
+            </a:r>
+          </a:p>
+        </p:txBody>
+      </p:sp>
+      <mc:AlternateContent xmlns:mc="http://schemas.openxmlformats.org/markup-compatibility/2006">
+        <mc:Choice xmlns:a14="http://schemas.microsoft.com/office/drawing/2010/main" Requires="a14">
+          <p:sp>
+            <p:nvSpPr>
+              <p:cNvPr id="6" name="文字方塊 5">
+                <a:extLst>
+                  <a:ext uri="{FF2B5EF4-FFF2-40B4-BE49-F238E27FC236}">
+                    <a16:creationId xmlns:a16="http://schemas.microsoft.com/office/drawing/2014/main" id="{18130DE5-F9DA-1E21-1155-98BA0F136241}"/>
+                  </a:ext>
+                </a:extLst>
+              </p:cNvPr>
+              <p:cNvSpPr txBox="1"/>
+              <p:nvPr/>
+            </p:nvSpPr>
+            <p:spPr>
+              <a:xfrm>
+                <a:off x="1750338" y="2744694"/>
+                <a:ext cx="3220967" cy="369332"/>
+              </a:xfrm>
+              <a:prstGeom prst="rect">
+                <a:avLst/>
+              </a:prstGeom>
+              <a:noFill/>
+              <a:ln>
+                <a:noFill/>
+              </a:ln>
+            </p:spPr>
+            <p:txBody>
+              <a:bodyPr wrap="square">
+                <a:spAutoFit/>
+              </a:bodyPr>
+              <a:lstStyle/>
+              <a:p>
+                <a:pPr/>
+                <a14:m>
+                  <m:oMathPara xmlns:m="http://schemas.openxmlformats.org/officeDocument/2006/math">
+                    <m:oMathParaPr>
+                      <m:jc m:val="centerGroup"/>
+                    </m:oMathParaPr>
+                    <m:oMath xmlns:m="http://schemas.openxmlformats.org/officeDocument/2006/math">
+                      <m:r>
+                        <a:rPr lang="en-US" altLang="zh-TW" b="0" i="1" smtClean="0">
+                          <a:latin typeface="Cambria Math" panose="02040503050406030204" pitchFamily="18" charset="0"/>
+                        </a:rPr>
+                        <m:t>𝑦</m:t>
+                      </m:r>
+                      <m:r>
+                        <a:rPr lang="en-US" altLang="zh-TW" b="0" i="1" smtClean="0">
+                          <a:latin typeface="Cambria Math" panose="02040503050406030204" pitchFamily="18" charset="0"/>
+                        </a:rPr>
+                        <m:t>′−</m:t>
+                      </m:r>
+                      <m:r>
+                        <a:rPr lang="en-US" altLang="zh-TW" b="0" i="1" smtClean="0">
+                          <a:latin typeface="Cambria Math" panose="02040503050406030204" pitchFamily="18" charset="0"/>
+                        </a:rPr>
+                        <m:t>𝑦</m:t>
+                      </m:r>
+                      <m:r>
+                        <a:rPr lang="en-US" altLang="zh-TW" b="0" i="1" smtClean="0">
+                          <a:latin typeface="Cambria Math" panose="02040503050406030204" pitchFamily="18" charset="0"/>
+                        </a:rPr>
+                        <m:t>=</m:t>
+                      </m:r>
+                      <m:r>
+                        <a:rPr lang="en-US" altLang="zh-TW" b="0" i="1" smtClean="0">
+                          <a:latin typeface="Cambria Math" panose="02040503050406030204" pitchFamily="18" charset="0"/>
+                        </a:rPr>
+                        <m:t>𝑚</m:t>
+                      </m:r>
+                      <m:r>
+                        <a:rPr lang="en-US" altLang="zh-TW" b="0" i="1" smtClean="0">
+                          <a:latin typeface="Cambria Math" panose="02040503050406030204" pitchFamily="18" charset="0"/>
+                        </a:rPr>
+                        <m:t>(</m:t>
+                      </m:r>
+                      <m:sSup>
+                        <m:sSupPr>
+                          <m:ctrlPr>
+                            <a:rPr lang="en-US" altLang="zh-TW" b="0" i="1" smtClean="0">
+                              <a:latin typeface="Cambria Math" panose="02040503050406030204" pitchFamily="18" charset="0"/>
+                            </a:rPr>
+                          </m:ctrlPr>
+                        </m:sSupPr>
+                        <m:e>
+                          <m:r>
+                            <a:rPr lang="en-US" altLang="zh-TW" b="0" i="1" smtClean="0">
+                              <a:latin typeface="Cambria Math" panose="02040503050406030204" pitchFamily="18" charset="0"/>
+                            </a:rPr>
+                            <m:t>𝑥</m:t>
+                          </m:r>
+                        </m:e>
+                        <m:sup>
+                          <m:r>
+                            <a:rPr lang="en-US" altLang="zh-TW" b="0" i="1" smtClean="0">
+                              <a:latin typeface="Cambria Math" panose="02040503050406030204" pitchFamily="18" charset="0"/>
+                            </a:rPr>
+                            <m:t>′</m:t>
+                          </m:r>
+                        </m:sup>
+                      </m:sSup>
+                      <m:r>
+                        <a:rPr lang="en-US" altLang="zh-TW" b="0" i="1" smtClean="0">
+                          <a:latin typeface="Cambria Math" panose="02040503050406030204" pitchFamily="18" charset="0"/>
+                        </a:rPr>
+                        <m:t>−</m:t>
+                      </m:r>
+                      <m:r>
+                        <a:rPr lang="en-US" altLang="zh-TW" b="0" i="1" smtClean="0">
+                          <a:latin typeface="Cambria Math" panose="02040503050406030204" pitchFamily="18" charset="0"/>
+                        </a:rPr>
+                        <m:t>𝑥</m:t>
+                      </m:r>
+                      <m:r>
+                        <a:rPr lang="en-US" altLang="zh-TW" b="0" i="1" smtClean="0">
+                          <a:latin typeface="Cambria Math" panose="02040503050406030204" pitchFamily="18" charset="0"/>
+                        </a:rPr>
+                        <m:t>)</m:t>
+                      </m:r>
+                    </m:oMath>
+                  </m:oMathPara>
+                </a14:m>
+                <a:endParaRPr lang="zh-TW" altLang="en-US" dirty="0"/>
+              </a:p>
+            </p:txBody>
+          </p:sp>
+        </mc:Choice>
+        <mc:Fallback>
+          <p:sp>
+            <p:nvSpPr>
+              <p:cNvPr id="6" name="文字方塊 5">
+                <a:extLst>
+                  <a:ext uri="{FF2B5EF4-FFF2-40B4-BE49-F238E27FC236}">
+                    <a16:creationId xmlns:a16="http://schemas.microsoft.com/office/drawing/2014/main" id="{18130DE5-F9DA-1E21-1155-98BA0F136241}"/>
+                  </a:ext>
+                </a:extLst>
+              </p:cNvPr>
+              <p:cNvSpPr txBox="1">
+                <a:spLocks noRot="1" noChangeAspect="1" noMove="1" noResize="1" noEditPoints="1" noAdjustHandles="1" noChangeArrowheads="1" noChangeShapeType="1" noTextEdit="1"/>
+              </p:cNvSpPr>
+              <p:nvPr/>
+            </p:nvSpPr>
+            <p:spPr>
+              <a:xfrm>
+                <a:off x="1750338" y="2744694"/>
+                <a:ext cx="3220967" cy="369332"/>
+              </a:xfrm>
+              <a:prstGeom prst="rect">
+                <a:avLst/>
+              </a:prstGeom>
+              <a:blipFill>
+                <a:blip r:embed="rId3"/>
+                <a:stretch>
+                  <a:fillRect b="-16393"/>
+                </a:stretch>
+              </a:blipFill>
+              <a:ln>
+                <a:noFill/>
+              </a:ln>
+            </p:spPr>
+            <p:txBody>
+              <a:bodyPr/>
+              <a:lstStyle/>
+              <a:p>
+                <a:r>
+                  <a:rPr lang="zh-TW" altLang="en-US">
+                    <a:noFill/>
+                  </a:rPr>
+                  <a:t> </a:t>
+                </a:r>
+              </a:p>
+            </p:txBody>
+          </p:sp>
+        </mc:Fallback>
+      </mc:AlternateContent>
+      <mc:AlternateContent xmlns:mc="http://schemas.openxmlformats.org/markup-compatibility/2006">
+        <mc:Choice xmlns:a14="http://schemas.microsoft.com/office/drawing/2010/main" Requires="a14">
+          <p:sp>
+            <p:nvSpPr>
+              <p:cNvPr id="8" name="文字方塊 7">
+                <a:extLst>
+                  <a:ext uri="{FF2B5EF4-FFF2-40B4-BE49-F238E27FC236}">
+                    <a16:creationId xmlns:a16="http://schemas.microsoft.com/office/drawing/2014/main" id="{A56F2BA1-C557-3115-2991-4079C44210EE}"/>
+                  </a:ext>
+                </a:extLst>
+              </p:cNvPr>
+              <p:cNvSpPr txBox="1"/>
+              <p:nvPr/>
+            </p:nvSpPr>
+            <p:spPr>
+              <a:xfrm>
+                <a:off x="2495812" y="3907758"/>
+                <a:ext cx="1991379" cy="814518"/>
+              </a:xfrm>
+              <a:prstGeom prst="rect">
+                <a:avLst/>
+              </a:prstGeom>
+              <a:noFill/>
+            </p:spPr>
+            <p:txBody>
+              <a:bodyPr wrap="none" lIns="0" tIns="0" rIns="0" bIns="0" rtlCol="0">
+                <a:spAutoFit/>
+              </a:bodyPr>
+              <a:lstStyle/>
+              <a:p>
+                <a14:m>
+                  <m:oMathPara xmlns:m="http://schemas.openxmlformats.org/officeDocument/2006/math">
+                    <m:oMathParaPr>
+                      <m:jc m:val="centerGroup"/>
+                    </m:oMathParaPr>
+                    <m:oMath xmlns:m="http://schemas.openxmlformats.org/officeDocument/2006/math">
+                      <m:sSup>
+                        <m:sSupPr>
+                          <m:ctrlPr>
+                            <a:rPr lang="en-US" altLang="zh-TW" b="0" i="1" smtClean="0">
+                              <a:latin typeface="Cambria Math" panose="02040503050406030204" pitchFamily="18" charset="0"/>
+                            </a:rPr>
+                          </m:ctrlPr>
+                        </m:sSupPr>
+                        <m:e>
+                          <m:r>
+                            <a:rPr lang="en-US" altLang="zh-TW" b="0" i="1" smtClean="0">
+                              <a:latin typeface="Cambria Math" panose="02040503050406030204" pitchFamily="18" charset="0"/>
+                            </a:rPr>
+                            <m:t>𝑥</m:t>
+                          </m:r>
+                        </m:e>
+                        <m:sup>
+                          <m:r>
+                            <a:rPr lang="en-US" altLang="zh-TW" b="0" i="1" smtClean="0">
+                              <a:latin typeface="Cambria Math" panose="02040503050406030204" pitchFamily="18" charset="0"/>
+                            </a:rPr>
+                            <m:t>′</m:t>
+                          </m:r>
+                        </m:sup>
+                      </m:sSup>
+                      <m:r>
+                        <a:rPr lang="en-US" altLang="zh-TW" b="0" i="1" smtClean="0">
+                          <a:latin typeface="Cambria Math" panose="02040503050406030204" pitchFamily="18" charset="0"/>
+                        </a:rPr>
+                        <m:t>=</m:t>
+                      </m:r>
+                      <m:f>
+                        <m:fPr>
+                          <m:ctrlPr>
+                            <a:rPr lang="en-US" altLang="zh-TW" b="0" i="1" smtClean="0">
+                              <a:latin typeface="Cambria Math" panose="02040503050406030204" pitchFamily="18" charset="0"/>
+                            </a:rPr>
+                          </m:ctrlPr>
+                        </m:fPr>
+                        <m:num>
+                          <m:r>
+                            <a:rPr lang="en-US" altLang="zh-TW" b="0" i="1" smtClean="0">
+                              <a:latin typeface="Cambria Math" panose="02040503050406030204" pitchFamily="18" charset="0"/>
+                            </a:rPr>
+                            <m:t>(4</m:t>
+                          </m:r>
+                          <m:r>
+                            <a:rPr lang="en-US" altLang="zh-TW" i="1">
+                              <a:latin typeface="Cambria Math" panose="02040503050406030204" pitchFamily="18" charset="0"/>
+                            </a:rPr>
+                            <m:t>0</m:t>
+                          </m:r>
+                          <m:r>
+                            <a:rPr lang="en-US" altLang="zh-TW" b="0" i="1" smtClean="0">
+                              <a:latin typeface="Cambria Math" panose="02040503050406030204" pitchFamily="18" charset="0"/>
+                            </a:rPr>
+                            <m:t>0−</m:t>
+                          </m:r>
+                          <m:r>
+                            <a:rPr lang="en-US" altLang="zh-TW" b="0" i="1" smtClean="0">
+                              <a:latin typeface="Cambria Math" panose="02040503050406030204" pitchFamily="18" charset="0"/>
+                            </a:rPr>
+                            <m:t>𝑦</m:t>
+                          </m:r>
+                          <m:r>
+                            <a:rPr lang="en-US" altLang="zh-TW" b="0" i="1" smtClean="0">
+                              <a:latin typeface="Cambria Math" panose="02040503050406030204" pitchFamily="18" charset="0"/>
+                            </a:rPr>
+                            <m:t>)</m:t>
+                          </m:r>
+                        </m:num>
+                        <m:den>
+                          <m:r>
+                            <a:rPr lang="en-US" altLang="zh-TW" b="0" i="1" smtClean="0">
+                              <a:latin typeface="Cambria Math" panose="02040503050406030204" pitchFamily="18" charset="0"/>
+                            </a:rPr>
+                            <m:t>(</m:t>
+                          </m:r>
+                          <m:f>
+                            <m:fPr>
+                              <m:ctrlPr>
+                                <a:rPr lang="en-US" altLang="zh-TW" b="0" i="1" smtClean="0">
+                                  <a:latin typeface="Cambria Math" panose="02040503050406030204" pitchFamily="18" charset="0"/>
+                                </a:rPr>
+                              </m:ctrlPr>
+                            </m:fPr>
+                            <m:num>
+                              <m:r>
+                                <a:rPr lang="en-US" altLang="zh-TW" b="0" i="1" smtClean="0">
+                                  <a:latin typeface="Cambria Math" panose="02040503050406030204" pitchFamily="18" charset="0"/>
+                                </a:rPr>
+                                <m:t>𝑦</m:t>
+                              </m:r>
+                              <m:r>
+                                <a:rPr lang="en-US" altLang="zh-TW" b="0" i="1" smtClean="0">
+                                  <a:latin typeface="Cambria Math" panose="02040503050406030204" pitchFamily="18" charset="0"/>
+                                </a:rPr>
+                                <m:t>−</m:t>
+                              </m:r>
+                              <m:sSub>
+                                <m:sSubPr>
+                                  <m:ctrlPr>
+                                    <a:rPr lang="en-US" altLang="zh-TW" b="0" i="1" smtClean="0">
+                                      <a:latin typeface="Cambria Math" panose="02040503050406030204" pitchFamily="18" charset="0"/>
+                                    </a:rPr>
+                                  </m:ctrlPr>
+                                </m:sSubPr>
+                                <m:e>
+                                  <m:r>
+                                    <a:rPr lang="en-US" altLang="zh-TW" b="0" i="1" smtClean="0">
+                                      <a:latin typeface="Cambria Math" panose="02040503050406030204" pitchFamily="18" charset="0"/>
+                                    </a:rPr>
+                                    <m:t>𝑦</m:t>
+                                  </m:r>
+                                </m:e>
+                                <m:sub>
+                                  <m:r>
+                                    <a:rPr lang="en-US" altLang="zh-TW" b="0" i="1" smtClean="0">
+                                      <a:latin typeface="Cambria Math" panose="02040503050406030204" pitchFamily="18" charset="0"/>
+                                    </a:rPr>
+                                    <m:t>𝑝𝑟𝑒</m:t>
+                                  </m:r>
+                                </m:sub>
+                              </m:sSub>
+                            </m:num>
+                            <m:den>
+                              <m:r>
+                                <a:rPr lang="en-US" altLang="zh-TW" b="0" i="1" smtClean="0">
+                                  <a:latin typeface="Cambria Math" panose="02040503050406030204" pitchFamily="18" charset="0"/>
+                                </a:rPr>
+                                <m:t>𝑥</m:t>
+                              </m:r>
+                              <m:r>
+                                <a:rPr lang="en-US" altLang="zh-TW" i="1">
+                                  <a:latin typeface="Cambria Math" panose="02040503050406030204" pitchFamily="18" charset="0"/>
+                                </a:rPr>
+                                <m:t>−</m:t>
+                              </m:r>
+                              <m:sSub>
+                                <m:sSubPr>
+                                  <m:ctrlPr>
+                                    <a:rPr lang="en-US" altLang="zh-TW" i="1">
+                                      <a:latin typeface="Cambria Math" panose="02040503050406030204" pitchFamily="18" charset="0"/>
+                                    </a:rPr>
+                                  </m:ctrlPr>
+                                </m:sSubPr>
+                                <m:e>
+                                  <m:r>
+                                    <a:rPr lang="en-US" altLang="zh-TW" b="0" i="1" smtClean="0">
+                                      <a:latin typeface="Cambria Math" panose="02040503050406030204" pitchFamily="18" charset="0"/>
+                                    </a:rPr>
+                                    <m:t>𝑥</m:t>
+                                  </m:r>
+                                </m:e>
+                                <m:sub>
+                                  <m:r>
+                                    <a:rPr lang="en-US" altLang="zh-TW" i="1">
+                                      <a:latin typeface="Cambria Math" panose="02040503050406030204" pitchFamily="18" charset="0"/>
+                                    </a:rPr>
+                                    <m:t>𝑝𝑟𝑒</m:t>
+                                  </m:r>
+                                </m:sub>
+                              </m:sSub>
+                            </m:den>
+                          </m:f>
+                          <m:r>
+                            <a:rPr lang="en-US" altLang="zh-TW" b="0" i="1" smtClean="0">
+                              <a:latin typeface="Cambria Math" panose="02040503050406030204" pitchFamily="18" charset="0"/>
+                            </a:rPr>
+                            <m:t>)</m:t>
+                          </m:r>
+                        </m:den>
+                      </m:f>
+                      <m:r>
+                        <a:rPr lang="en-US" altLang="zh-TW" b="0" i="1" smtClean="0">
+                          <a:latin typeface="Cambria Math" panose="02040503050406030204" pitchFamily="18" charset="0"/>
+                        </a:rPr>
+                        <m:t>+</m:t>
+                      </m:r>
+                      <m:r>
+                        <a:rPr lang="en-US" altLang="zh-TW" b="0" i="1" smtClean="0">
+                          <a:latin typeface="Cambria Math" panose="02040503050406030204" pitchFamily="18" charset="0"/>
+                        </a:rPr>
+                        <m:t>𝑥</m:t>
+                      </m:r>
+                    </m:oMath>
+                  </m:oMathPara>
+                </a14:m>
+                <a:endParaRPr lang="zh-TW" altLang="en-US" dirty="0"/>
+              </a:p>
+            </p:txBody>
+          </p:sp>
+        </mc:Choice>
+        <mc:Fallback>
+          <p:sp>
+            <p:nvSpPr>
+              <p:cNvPr id="8" name="文字方塊 7">
+                <a:extLst>
+                  <a:ext uri="{FF2B5EF4-FFF2-40B4-BE49-F238E27FC236}">
+                    <a16:creationId xmlns:a16="http://schemas.microsoft.com/office/drawing/2014/main" id="{A56F2BA1-C557-3115-2991-4079C44210EE}"/>
+                  </a:ext>
+                </a:extLst>
+              </p:cNvPr>
+              <p:cNvSpPr txBox="1">
+                <a:spLocks noRot="1" noChangeAspect="1" noMove="1" noResize="1" noEditPoints="1" noAdjustHandles="1" noChangeArrowheads="1" noChangeShapeType="1" noTextEdit="1"/>
+              </p:cNvSpPr>
+              <p:nvPr/>
+            </p:nvSpPr>
+            <p:spPr>
+              <a:xfrm>
+                <a:off x="2495812" y="3907758"/>
+                <a:ext cx="1991379" cy="814518"/>
+              </a:xfrm>
+              <a:prstGeom prst="rect">
+                <a:avLst/>
+              </a:prstGeom>
+              <a:blipFill>
+                <a:blip r:embed="rId4"/>
+                <a:stretch>
+                  <a:fillRect/>
+                </a:stretch>
+              </a:blipFill>
+            </p:spPr>
+            <p:txBody>
+              <a:bodyPr/>
+              <a:lstStyle/>
+              <a:p>
+                <a:r>
+                  <a:rPr lang="zh-TW" altLang="en-US">
+                    <a:noFill/>
+                  </a:rPr>
+                  <a:t> </a:t>
+                </a:r>
+              </a:p>
+            </p:txBody>
+          </p:sp>
+        </mc:Fallback>
+      </mc:AlternateContent>
+      <p:sp>
+        <p:nvSpPr>
+          <p:cNvPr id="30" name="矩形 29">
+            <a:extLst>
+              <a:ext uri="{FF2B5EF4-FFF2-40B4-BE49-F238E27FC236}">
+                <a16:creationId xmlns:a16="http://schemas.microsoft.com/office/drawing/2014/main" id="{83B01E9F-1EF4-BD9A-6CFB-AAB4478ED495}"/>
+              </a:ext>
+            </a:extLst>
+          </p:cNvPr>
+          <p:cNvSpPr/>
+          <p:nvPr/>
+        </p:nvSpPr>
+        <p:spPr>
+          <a:xfrm>
+            <a:off x="5306683" y="3985404"/>
+            <a:ext cx="1214887" cy="2329132"/>
+          </a:xfrm>
+          <a:prstGeom prst="rect">
+            <a:avLst/>
+          </a:prstGeom>
+        </p:spPr>
+        <p:style>
+          <a:lnRef idx="1">
+            <a:schemeClr val="accent1"/>
+          </a:lnRef>
+          <a:fillRef idx="2">
+            <a:schemeClr val="accent1"/>
+          </a:fillRef>
+          <a:effectRef idx="1">
+            <a:schemeClr val="accent1"/>
+          </a:effectRef>
+          <a:fontRef idx="minor">
+            <a:schemeClr val="dk1"/>
+          </a:fontRef>
+        </p:style>
+        <p:txBody>
+          <a:bodyPr rtlCol="0" anchor="ctr"/>
+          <a:lstStyle/>
+          <a:p>
+            <a:pPr algn="ctr"/>
+            <a:endParaRPr lang="zh-TW" altLang="en-US"/>
+          </a:p>
+        </p:txBody>
+      </p:sp>
+      <p:sp>
+        <p:nvSpPr>
+          <p:cNvPr id="31" name="矩形 30">
+            <a:extLst>
+              <a:ext uri="{FF2B5EF4-FFF2-40B4-BE49-F238E27FC236}">
+                <a16:creationId xmlns:a16="http://schemas.microsoft.com/office/drawing/2014/main" id="{C87E69A5-5638-3067-3525-B01CB6FA986D}"/>
+              </a:ext>
+            </a:extLst>
+          </p:cNvPr>
+          <p:cNvSpPr/>
+          <p:nvPr/>
+        </p:nvSpPr>
+        <p:spPr>
+          <a:xfrm>
+            <a:off x="6521570" y="3985404"/>
+            <a:ext cx="1214887" cy="2329132"/>
+          </a:xfrm>
+          <a:prstGeom prst="rect">
+            <a:avLst/>
+          </a:prstGeom>
+        </p:spPr>
+        <p:style>
+          <a:lnRef idx="2">
+            <a:schemeClr val="accent1">
+              <a:shade val="15000"/>
+            </a:schemeClr>
+          </a:lnRef>
+          <a:fillRef idx="1">
+            <a:schemeClr val="accent1"/>
+          </a:fillRef>
+          <a:effectRef idx="0">
+            <a:schemeClr val="accent1"/>
+          </a:effectRef>
+          <a:fontRef idx="minor">
+            <a:schemeClr val="lt1"/>
+          </a:fontRef>
+        </p:style>
+        <p:txBody>
+          <a:bodyPr rtlCol="0" anchor="ctr"/>
+          <a:lstStyle/>
+          <a:p>
+            <a:pPr algn="ctr"/>
+            <a:endParaRPr lang="zh-TW" altLang="en-US"/>
+          </a:p>
+        </p:txBody>
+      </p:sp>
+      <p:cxnSp>
+        <p:nvCxnSpPr>
+          <p:cNvPr id="32" name="直線接點 31">
+            <a:extLst>
+              <a:ext uri="{FF2B5EF4-FFF2-40B4-BE49-F238E27FC236}">
+                <a16:creationId xmlns:a16="http://schemas.microsoft.com/office/drawing/2014/main" id="{CDE448F3-7907-3FAC-BAF9-2E85BDCDA6DA}"/>
+              </a:ext>
+            </a:extLst>
+          </p:cNvPr>
+          <p:cNvCxnSpPr>
+            <a:cxnSpLocks/>
+          </p:cNvCxnSpPr>
+          <p:nvPr/>
+        </p:nvCxnSpPr>
+        <p:spPr>
+          <a:xfrm>
+            <a:off x="6521570" y="3985404"/>
+            <a:ext cx="0" cy="2329132"/>
+          </a:xfrm>
+          <a:prstGeom prst="line">
+            <a:avLst/>
+          </a:prstGeom>
+          <a:ln w="57150"/>
+        </p:spPr>
+        <p:style>
+          <a:lnRef idx="1">
+            <a:schemeClr val="dk1"/>
+          </a:lnRef>
+          <a:fillRef idx="0">
+            <a:schemeClr val="dk1"/>
+          </a:fillRef>
+          <a:effectRef idx="0">
+            <a:schemeClr val="dk1"/>
+          </a:effectRef>
+          <a:fontRef idx="minor">
+            <a:schemeClr val="tx1"/>
+          </a:fontRef>
+        </p:style>
+      </p:cxnSp>
+      <p:cxnSp>
+        <p:nvCxnSpPr>
+          <p:cNvPr id="33" name="直線接點 32">
+            <a:extLst>
+              <a:ext uri="{FF2B5EF4-FFF2-40B4-BE49-F238E27FC236}">
+                <a16:creationId xmlns:a16="http://schemas.microsoft.com/office/drawing/2014/main" id="{F2231A36-1B84-BF65-69C2-6519AD9BB55A}"/>
+              </a:ext>
+            </a:extLst>
+          </p:cNvPr>
+          <p:cNvCxnSpPr>
+            <a:cxnSpLocks/>
+          </p:cNvCxnSpPr>
+          <p:nvPr/>
+        </p:nvCxnSpPr>
+        <p:spPr>
+          <a:xfrm>
+            <a:off x="7691887" y="3985404"/>
+            <a:ext cx="0" cy="2329132"/>
+          </a:xfrm>
+          <a:prstGeom prst="line">
+            <a:avLst/>
+          </a:prstGeom>
+          <a:ln w="57150"/>
+        </p:spPr>
+        <p:style>
+          <a:lnRef idx="1">
+            <a:schemeClr val="dk1"/>
+          </a:lnRef>
+          <a:fillRef idx="0">
+            <a:schemeClr val="dk1"/>
+          </a:fillRef>
+          <a:effectRef idx="0">
+            <a:schemeClr val="dk1"/>
+          </a:effectRef>
+          <a:fontRef idx="minor">
+            <a:schemeClr val="tx1"/>
+          </a:fontRef>
+        </p:style>
+      </p:cxnSp>
+      <p:cxnSp>
+        <p:nvCxnSpPr>
+          <p:cNvPr id="34" name="直線單箭頭接點 33">
+            <a:extLst>
+              <a:ext uri="{FF2B5EF4-FFF2-40B4-BE49-F238E27FC236}">
+                <a16:creationId xmlns:a16="http://schemas.microsoft.com/office/drawing/2014/main" id="{C11EEFA2-1A4D-2865-4E95-81B3F62CB166}"/>
+              </a:ext>
+            </a:extLst>
+          </p:cNvPr>
+          <p:cNvCxnSpPr/>
+          <p:nvPr/>
+        </p:nvCxnSpPr>
+        <p:spPr>
+          <a:xfrm flipH="1">
+            <a:off x="6521570" y="4339087"/>
+            <a:ext cx="603849" cy="560717"/>
+          </a:xfrm>
+          <a:prstGeom prst="straightConnector1">
+            <a:avLst/>
+          </a:prstGeom>
+          <a:ln>
+            <a:tailEnd type="triangle"/>
+          </a:ln>
+        </p:spPr>
+        <p:style>
+          <a:lnRef idx="1">
+            <a:schemeClr val="dk1"/>
+          </a:lnRef>
+          <a:fillRef idx="0">
+            <a:schemeClr val="dk1"/>
+          </a:fillRef>
+          <a:effectRef idx="0">
+            <a:schemeClr val="dk1"/>
+          </a:effectRef>
+          <a:fontRef idx="minor">
+            <a:schemeClr val="tx1"/>
+          </a:fontRef>
+        </p:style>
+      </p:cxnSp>
+      <p:cxnSp>
+        <p:nvCxnSpPr>
+          <p:cNvPr id="35" name="直線單箭頭接點 34">
+            <a:extLst>
+              <a:ext uri="{FF2B5EF4-FFF2-40B4-BE49-F238E27FC236}">
+                <a16:creationId xmlns:a16="http://schemas.microsoft.com/office/drawing/2014/main" id="{1B67D157-A964-95B8-4278-1F409CED6E45}"/>
+              </a:ext>
+            </a:extLst>
+          </p:cNvPr>
+          <p:cNvCxnSpPr/>
+          <p:nvPr/>
+        </p:nvCxnSpPr>
+        <p:spPr>
+          <a:xfrm>
+            <a:off x="6521570" y="4934309"/>
+            <a:ext cx="992038" cy="914400"/>
+          </a:xfrm>
+          <a:prstGeom prst="straightConnector1">
+            <a:avLst/>
+          </a:prstGeom>
+          <a:ln>
+            <a:tailEnd type="triangle"/>
+          </a:ln>
+        </p:spPr>
+        <p:style>
+          <a:lnRef idx="1">
+            <a:schemeClr val="dk1"/>
+          </a:lnRef>
+          <a:fillRef idx="0">
+            <a:schemeClr val="dk1"/>
+          </a:fillRef>
+          <a:effectRef idx="0">
+            <a:schemeClr val="dk1"/>
+          </a:effectRef>
+          <a:fontRef idx="minor">
+            <a:schemeClr val="tx1"/>
+          </a:fontRef>
+        </p:style>
+      </p:cxnSp>
+      <p:cxnSp>
+        <p:nvCxnSpPr>
+          <p:cNvPr id="36" name="直線單箭頭接點 35">
+            <a:extLst>
+              <a:ext uri="{FF2B5EF4-FFF2-40B4-BE49-F238E27FC236}">
+                <a16:creationId xmlns:a16="http://schemas.microsoft.com/office/drawing/2014/main" id="{DD008BE8-0F8B-7CA7-206D-D0C6AFBBDBF0}"/>
+              </a:ext>
+            </a:extLst>
+          </p:cNvPr>
+          <p:cNvCxnSpPr>
+            <a:cxnSpLocks/>
+          </p:cNvCxnSpPr>
+          <p:nvPr/>
+        </p:nvCxnSpPr>
+        <p:spPr>
+          <a:xfrm flipH="1">
+            <a:off x="5520906" y="4899804"/>
+            <a:ext cx="1000664" cy="974784"/>
+          </a:xfrm>
+          <a:prstGeom prst="straightConnector1">
+            <a:avLst/>
+          </a:prstGeom>
+          <a:ln>
+            <a:prstDash val="lgDash"/>
+            <a:tailEnd type="triangle"/>
+          </a:ln>
+        </p:spPr>
+        <p:style>
+          <a:lnRef idx="1">
+            <a:schemeClr val="dk1"/>
+          </a:lnRef>
+          <a:fillRef idx="0">
+            <a:schemeClr val="dk1"/>
+          </a:fillRef>
+          <a:effectRef idx="0">
+            <a:schemeClr val="dk1"/>
+          </a:effectRef>
+          <a:fontRef idx="minor">
+            <a:schemeClr val="tx1"/>
+          </a:fontRef>
+        </p:style>
+      </p:cxnSp>
+      <p:sp>
+        <p:nvSpPr>
+          <p:cNvPr id="37" name="矩形 36">
+            <a:extLst>
+              <a:ext uri="{FF2B5EF4-FFF2-40B4-BE49-F238E27FC236}">
+                <a16:creationId xmlns:a16="http://schemas.microsoft.com/office/drawing/2014/main" id="{EF200056-47F6-8E04-CB1A-A6C5D2219DC4}"/>
+              </a:ext>
+            </a:extLst>
+          </p:cNvPr>
+          <p:cNvSpPr/>
+          <p:nvPr/>
+        </p:nvSpPr>
+        <p:spPr>
+          <a:xfrm>
+            <a:off x="7259129" y="5874588"/>
+            <a:ext cx="388189" cy="69012"/>
+          </a:xfrm>
+          <a:prstGeom prst="rect">
+            <a:avLst/>
+          </a:prstGeom>
+        </p:spPr>
+        <p:style>
+          <a:lnRef idx="2">
+            <a:schemeClr val="accent3">
+              <a:shade val="15000"/>
+            </a:schemeClr>
+          </a:lnRef>
+          <a:fillRef idx="1">
+            <a:schemeClr val="accent3"/>
+          </a:fillRef>
+          <a:effectRef idx="0">
+            <a:schemeClr val="accent3"/>
+          </a:effectRef>
+          <a:fontRef idx="minor">
+            <a:schemeClr val="lt1"/>
+          </a:fontRef>
+        </p:style>
+        <p:txBody>
+          <a:bodyPr rtlCol="0" anchor="ctr"/>
+          <a:lstStyle/>
+          <a:p>
+            <a:pPr algn="ctr"/>
+            <a:endParaRPr lang="zh-TW" altLang="en-US"/>
+          </a:p>
+        </p:txBody>
+      </p:sp>
+      <p:sp>
+        <p:nvSpPr>
+          <p:cNvPr id="38" name="文字方塊 37">
+            <a:extLst>
+              <a:ext uri="{FF2B5EF4-FFF2-40B4-BE49-F238E27FC236}">
+                <a16:creationId xmlns:a16="http://schemas.microsoft.com/office/drawing/2014/main" id="{14D80FB1-9BC7-8D6C-A729-CC20CF8A7278}"/>
+              </a:ext>
+            </a:extLst>
+          </p:cNvPr>
+          <p:cNvSpPr txBox="1"/>
+          <p:nvPr/>
+        </p:nvSpPr>
+        <p:spPr>
+          <a:xfrm>
+            <a:off x="7932665" y="4934309"/>
+            <a:ext cx="2584849" cy="1200329"/>
           </a:xfrm>
           <a:prstGeom prst="rect">
             <a:avLst/>
@@ -20274,46 +21152,99 @@
                 <a:latin typeface="標楷體" panose="03000509000000000000" pitchFamily="65" charset="-120"/>
                 <a:ea typeface="標楷體" panose="03000509000000000000" pitchFamily="65" charset="-120"/>
               </a:rPr>
-              <a:t>參數帶入</a:t>
+              <a:t>寬度為</a:t>
+            </a:r>
+            <a:r>
+              <a:rPr lang="en-US" altLang="zh-TW" dirty="0">
+                <a:latin typeface="標楷體" panose="03000509000000000000" pitchFamily="65" charset="-120"/>
+                <a:ea typeface="標楷體" panose="03000509000000000000" pitchFamily="65" charset="-120"/>
+              </a:rPr>
+              <a:t>200</a:t>
+            </a:r>
+            <a:r>
+              <a:rPr lang="zh-TW" altLang="en-US" dirty="0">
+                <a:latin typeface="標楷體" panose="03000509000000000000" pitchFamily="65" charset="-120"/>
+                <a:ea typeface="標楷體" panose="03000509000000000000" pitchFamily="65" charset="-120"/>
+              </a:rPr>
+              <a:t>，假設預測落點為</a:t>
+            </a:r>
+            <a:r>
+              <a:rPr lang="en-US" altLang="zh-TW" dirty="0">
+                <a:latin typeface="標楷體" panose="03000509000000000000" pitchFamily="65" charset="-120"/>
+                <a:ea typeface="標楷體" panose="03000509000000000000" pitchFamily="65" charset="-120"/>
+              </a:rPr>
+              <a:t>0~-200</a:t>
+            </a:r>
+            <a:r>
+              <a:rPr lang="zh-TW" altLang="en-US" dirty="0">
+                <a:latin typeface="標楷體" panose="03000509000000000000" pitchFamily="65" charset="-120"/>
+                <a:ea typeface="標楷體" panose="03000509000000000000" pitchFamily="65" charset="-120"/>
+              </a:rPr>
+              <a:t>之間，則為鏡像，所以去負號就能為正確</a:t>
+            </a:r>
+            <a:r>
+              <a:rPr lang="en-US" altLang="zh-TW" dirty="0">
+                <a:latin typeface="標楷體" panose="03000509000000000000" pitchFamily="65" charset="-120"/>
+                <a:ea typeface="標楷體" panose="03000509000000000000" pitchFamily="65" charset="-120"/>
+              </a:rPr>
+              <a:t>x</a:t>
+            </a:r>
+            <a:r>
+              <a:rPr lang="zh-TW" altLang="en-US" dirty="0">
+                <a:latin typeface="標楷體" panose="03000509000000000000" pitchFamily="65" charset="-120"/>
+                <a:ea typeface="標楷體" panose="03000509000000000000" pitchFamily="65" charset="-120"/>
+              </a:rPr>
+              <a:t>位置</a:t>
             </a:r>
           </a:p>
         </p:txBody>
       </p:sp>
-      <p:pic>
-        <p:nvPicPr>
-          <p:cNvPr id="21" name="圖片 20">
-            <a:extLst>
-              <a:ext uri="{FF2B5EF4-FFF2-40B4-BE49-F238E27FC236}">
-                <a16:creationId xmlns:a16="http://schemas.microsoft.com/office/drawing/2014/main" id="{0D823980-46D5-425B-A323-8D35E35FC439}"/>
-              </a:ext>
-            </a:extLst>
-          </p:cNvPr>
-          <p:cNvPicPr>
-            <a:picLocks noChangeAspect="1"/>
-          </p:cNvPicPr>
+      <p:sp>
+        <p:nvSpPr>
+          <p:cNvPr id="39" name="橢圓 38">
+            <a:extLst>
+              <a:ext uri="{FF2B5EF4-FFF2-40B4-BE49-F238E27FC236}">
+                <a16:creationId xmlns:a16="http://schemas.microsoft.com/office/drawing/2014/main" id="{19FBC01B-110A-793E-6F46-1DBB1CE2A5C7}"/>
+              </a:ext>
+            </a:extLst>
+          </p:cNvPr>
+          <p:cNvSpPr/>
           <p:nvPr/>
-        </p:nvPicPr>
-        <p:blipFill>
-          <a:blip r:embed="rId3"/>
-          <a:stretch>
-            <a:fillRect/>
-          </a:stretch>
-        </p:blipFill>
+        </p:nvSpPr>
         <p:spPr>
           <a:xfrm>
-            <a:off x="1965409" y="2444702"/>
-            <a:ext cx="2790825" cy="685800"/>
+            <a:off x="7099538" y="4245503"/>
+            <a:ext cx="140899" cy="136213"/>
           </a:xfrm>
-          <a:prstGeom prst="rect">
+          <a:prstGeom prst="ellipse">
             <a:avLst/>
           </a:prstGeom>
-          <a:ln>
-            <a:solidFill>
-              <a:schemeClr val="tx1"/>
-            </a:solidFill>
-          </a:ln>
         </p:spPr>
-      </p:pic>
+        <p:style>
+          <a:lnRef idx="2">
+            <a:schemeClr val="dk1">
+              <a:shade val="15000"/>
+            </a:schemeClr>
+          </a:lnRef>
+          <a:fillRef idx="1">
+            <a:schemeClr val="dk1"/>
+          </a:fillRef>
+          <a:effectRef idx="0">
+            <a:schemeClr val="dk1"/>
+          </a:effectRef>
+          <a:fontRef idx="minor">
+            <a:schemeClr val="lt1"/>
+          </a:fontRef>
+        </p:style>
+        <p:txBody>
+          <a:bodyPr rtlCol="0" anchor="ctr"/>
+          <a:lstStyle/>
+          <a:p>
+            <a:pPr algn="ctr"/>
+            <a:endParaRPr lang="zh-TW" altLang="en-US"/>
+          </a:p>
+        </p:txBody>
+      </p:sp>
     </p:spTree>
     <p:extLst>
       <p:ext uri="{BB962C8B-B14F-4D97-AF65-F5344CB8AC3E}">
@@ -20423,18 +21354,326 @@
             <a:pPr rtl="0"/>
             <a:fld id="{A55B7815-05FA-48A0-B9F7-1E04C4F2927A}" type="datetime1">
               <a:rPr lang="zh-TW" altLang="en-US" smtClean="0"/>
-              <a:t>2024/5/28</a:t>
+              <a:t>2024/5/29</a:t>
             </a:fld>
             <a:endParaRPr lang="en-US" dirty="0"/>
           </a:p>
         </p:txBody>
       </p:sp>
+      <mc:AlternateContent xmlns:mc="http://schemas.openxmlformats.org/markup-compatibility/2006">
+        <mc:Choice xmlns:a14="http://schemas.microsoft.com/office/drawing/2010/main" Requires="a14">
+          <p:sp>
+            <p:nvSpPr>
+              <p:cNvPr id="5" name="文字方塊 4">
+                <a:extLst>
+                  <a:ext uri="{FF2B5EF4-FFF2-40B4-BE49-F238E27FC236}">
+                    <a16:creationId xmlns:a16="http://schemas.microsoft.com/office/drawing/2014/main" id="{7A507955-724B-44E3-A4FE-5D24834D3699}"/>
+                  </a:ext>
+                </a:extLst>
+              </p:cNvPr>
+              <p:cNvSpPr txBox="1"/>
+              <p:nvPr/>
+            </p:nvSpPr>
+            <p:spPr>
+              <a:xfrm>
+                <a:off x="5939405" y="2228671"/>
+                <a:ext cx="4689446" cy="1498744"/>
+              </a:xfrm>
+              <a:prstGeom prst="rect">
+                <a:avLst/>
+              </a:prstGeom>
+              <a:noFill/>
+            </p:spPr>
+            <p:txBody>
+              <a:bodyPr wrap="square" rtlCol="0">
+                <a:spAutoFit/>
+              </a:bodyPr>
+              <a:lstStyle/>
+              <a:p>
+                <a:r>
+                  <a:rPr lang="en-US" altLang="zh-TW" dirty="0">
+                    <a:latin typeface="Times New Roman" panose="02020603050405020304" pitchFamily="18" charset="0"/>
+                    <a:ea typeface="標楷體" panose="03000509000000000000" pitchFamily="65" charset="-120"/>
+                  </a:rPr>
+                  <a:t>x` =</a:t>
+                </a:r>
+                <a:r>
+                  <a:rPr lang="zh-TW" altLang="en-US" dirty="0">
+                    <a:latin typeface="Times New Roman" panose="02020603050405020304" pitchFamily="18" charset="0"/>
+                    <a:ea typeface="標楷體" panose="03000509000000000000" pitchFamily="65" charset="-120"/>
+                  </a:rPr>
+                  <a:t>預測球落在板子上的位置。</a:t>
+                </a:r>
+                <a:endParaRPr lang="en-US" altLang="zh-TW" dirty="0">
+                  <a:latin typeface="Times New Roman" panose="02020603050405020304" pitchFamily="18" charset="0"/>
+                  <a:ea typeface="標楷體" panose="03000509000000000000" pitchFamily="65" charset="-120"/>
+                </a:endParaRPr>
+              </a:p>
+              <a:p>
+                <a:r>
+                  <a:rPr lang="en-US" altLang="zh-TW" dirty="0">
+                    <a:solidFill>
+                      <a:srgbClr val="FF0000"/>
+                    </a:solidFill>
+                    <a:latin typeface="Times New Roman" panose="02020603050405020304" pitchFamily="18" charset="0"/>
+                    <a:ea typeface="標楷體" panose="03000509000000000000" pitchFamily="65" charset="-120"/>
+                  </a:rPr>
+                  <a:t>y` = 420</a:t>
+                </a:r>
+                <a:r>
+                  <a:rPr lang="zh-TW" altLang="en-US" dirty="0">
+                    <a:solidFill>
+                      <a:srgbClr val="FF0000"/>
+                    </a:solidFill>
+                    <a:latin typeface="Times New Roman" panose="02020603050405020304" pitchFamily="18" charset="0"/>
+                    <a:ea typeface="標楷體" panose="03000509000000000000" pitchFamily="65" charset="-120"/>
+                  </a:rPr>
+                  <a:t>，球拍固定位置。</a:t>
+                </a:r>
+                <a:endParaRPr lang="en-US" altLang="zh-TW" dirty="0">
+                  <a:solidFill>
+                    <a:srgbClr val="FF0000"/>
+                  </a:solidFill>
+                  <a:latin typeface="Times New Roman" panose="02020603050405020304" pitchFamily="18" charset="0"/>
+                  <a:ea typeface="標楷體" panose="03000509000000000000" pitchFamily="65" charset="-120"/>
+                </a:endParaRPr>
+              </a:p>
+              <a:p>
+                <a:r>
+                  <a:rPr lang="en-US" altLang="zh-TW" dirty="0">
+                    <a:latin typeface="Times New Roman" panose="02020603050405020304" pitchFamily="18" charset="0"/>
+                    <a:ea typeface="標楷體" panose="03000509000000000000" pitchFamily="65" charset="-120"/>
+                  </a:rPr>
+                  <a:t>x </a:t>
+                </a:r>
+                <a:r>
+                  <a:rPr lang="zh-TW" altLang="en-US" dirty="0">
+                    <a:latin typeface="Times New Roman" panose="02020603050405020304" pitchFamily="18" charset="0"/>
+                    <a:ea typeface="標楷體" panose="03000509000000000000" pitchFamily="65" charset="-120"/>
+                  </a:rPr>
+                  <a:t>、</a:t>
+                </a:r>
+                <a:r>
+                  <a:rPr lang="en-US" altLang="zh-TW" dirty="0">
+                    <a:latin typeface="Times New Roman" panose="02020603050405020304" pitchFamily="18" charset="0"/>
+                    <a:ea typeface="標楷體" panose="03000509000000000000" pitchFamily="65" charset="-120"/>
+                  </a:rPr>
+                  <a:t>y =</a:t>
+                </a:r>
+                <a:r>
+                  <a:rPr lang="zh-TW" altLang="en-US" dirty="0">
+                    <a:latin typeface="Times New Roman" panose="02020603050405020304" pitchFamily="18" charset="0"/>
+                    <a:ea typeface="標楷體" panose="03000509000000000000" pitchFamily="65" charset="-120"/>
+                  </a:rPr>
+                  <a:t> 球當前位置。</a:t>
+                </a:r>
+                <a:endParaRPr lang="en-US" altLang="zh-TW" dirty="0">
+                  <a:latin typeface="Times New Roman" panose="02020603050405020304" pitchFamily="18" charset="0"/>
+                  <a:ea typeface="標楷體" panose="03000509000000000000" pitchFamily="65" charset="-120"/>
+                </a:endParaRPr>
+              </a:p>
+              <a:p>
+                <a14:m>
+                  <m:oMath xmlns:m="http://schemas.openxmlformats.org/officeDocument/2006/math">
+                    <m:sSub>
+                      <m:sSubPr>
+                        <m:ctrlPr>
+                          <a:rPr lang="en-US" altLang="zh-TW" i="1" smtClean="0">
+                            <a:latin typeface="Cambria Math" panose="02040503050406030204" pitchFamily="18" charset="0"/>
+                          </a:rPr>
+                        </m:ctrlPr>
+                      </m:sSubPr>
+                      <m:e>
+                        <m:r>
+                          <a:rPr lang="en-US" altLang="zh-TW" b="0" i="1" smtClean="0">
+                            <a:latin typeface="Cambria Math" panose="02040503050406030204" pitchFamily="18" charset="0"/>
+                          </a:rPr>
+                          <m:t>𝑥</m:t>
+                        </m:r>
+                      </m:e>
+                      <m:sub>
+                        <m:r>
+                          <a:rPr lang="en-US" altLang="zh-TW" i="1">
+                            <a:latin typeface="Cambria Math" panose="02040503050406030204" pitchFamily="18" charset="0"/>
+                          </a:rPr>
+                          <m:t>𝑝𝑟𝑒</m:t>
+                        </m:r>
+                      </m:sub>
+                    </m:sSub>
+                    <m:r>
+                      <a:rPr lang="zh-TW" altLang="en-US" i="1">
+                        <a:latin typeface="Cambria Math" panose="02040503050406030204" pitchFamily="18" charset="0"/>
+                      </a:rPr>
+                      <m:t>、</m:t>
+                    </m:r>
+                    <m:sSub>
+                      <m:sSubPr>
+                        <m:ctrlPr>
+                          <a:rPr lang="en-US" altLang="zh-TW" i="1" smtClean="0">
+                            <a:latin typeface="Cambria Math" panose="02040503050406030204" pitchFamily="18" charset="0"/>
+                          </a:rPr>
+                        </m:ctrlPr>
+                      </m:sSubPr>
+                      <m:e>
+                        <m:r>
+                          <a:rPr lang="en-US" altLang="zh-TW" b="0" i="1" smtClean="0">
+                            <a:latin typeface="Cambria Math" panose="02040503050406030204" pitchFamily="18" charset="0"/>
+                          </a:rPr>
+                          <m:t>𝑦</m:t>
+                        </m:r>
+                      </m:e>
+                      <m:sub>
+                        <m:r>
+                          <a:rPr lang="en-US" altLang="zh-TW" b="0" i="1" smtClean="0">
+                            <a:latin typeface="Cambria Math" panose="02040503050406030204" pitchFamily="18" charset="0"/>
+                          </a:rPr>
+                          <m:t>𝑝𝑟𝑒</m:t>
+                        </m:r>
+                      </m:sub>
+                    </m:sSub>
+                  </m:oMath>
+                </a14:m>
+                <a:r>
+                  <a:rPr lang="en-US" altLang="zh-TW" dirty="0">
+                    <a:latin typeface="Times New Roman" panose="02020603050405020304" pitchFamily="18" charset="0"/>
+                    <a:ea typeface="標楷體" panose="03000509000000000000" pitchFamily="65" charset="-120"/>
+                  </a:rPr>
+                  <a:t>  =</a:t>
+                </a:r>
+                <a:r>
+                  <a:rPr lang="zh-TW" altLang="en-US" dirty="0">
+                    <a:latin typeface="Times New Roman" panose="02020603050405020304" pitchFamily="18" charset="0"/>
+                    <a:ea typeface="標楷體" panose="03000509000000000000" pitchFamily="65" charset="-120"/>
+                  </a:rPr>
+                  <a:t> 球前一幀位置。</a:t>
+                </a:r>
+                <a:endParaRPr lang="en-US" altLang="zh-TW" dirty="0">
+                  <a:latin typeface="Times New Roman" panose="02020603050405020304" pitchFamily="18" charset="0"/>
+                  <a:ea typeface="標楷體" panose="03000509000000000000" pitchFamily="65" charset="-120"/>
+                </a:endParaRPr>
+              </a:p>
+              <a:p>
+                <a:r>
+                  <a:rPr lang="en-US" altLang="zh-TW" dirty="0">
+                    <a:latin typeface="Times New Roman" panose="02020603050405020304" pitchFamily="18" charset="0"/>
+                    <a:ea typeface="標楷體" panose="03000509000000000000" pitchFamily="65" charset="-120"/>
+                  </a:rPr>
+                  <a:t>m = </a:t>
+                </a:r>
+                <a:r>
+                  <a:rPr lang="zh-TW" altLang="en-US" dirty="0">
+                    <a:latin typeface="Times New Roman" panose="02020603050405020304" pitchFamily="18" charset="0"/>
+                    <a:ea typeface="標楷體" panose="03000509000000000000" pitchFamily="65" charset="-120"/>
+                  </a:rPr>
+                  <a:t>利用球當前位置與前一幀位置計算斜率。</a:t>
+                </a:r>
+                <a:r>
+                  <a:rPr lang="en-US" altLang="zh-TW" dirty="0">
+                    <a:latin typeface="Times New Roman" panose="02020603050405020304" pitchFamily="18" charset="0"/>
+                    <a:ea typeface="標楷體" panose="03000509000000000000" pitchFamily="65" charset="-120"/>
+                  </a:rPr>
+                  <a:t> </a:t>
+                </a:r>
+                <a:endParaRPr lang="zh-TW" altLang="en-US" dirty="0">
+                  <a:latin typeface="Times New Roman" panose="02020603050405020304" pitchFamily="18" charset="0"/>
+                  <a:ea typeface="標楷體" panose="03000509000000000000" pitchFamily="65" charset="-120"/>
+                </a:endParaRPr>
+              </a:p>
+            </p:txBody>
+          </p:sp>
+        </mc:Choice>
+        <mc:Fallback>
+          <p:sp>
+            <p:nvSpPr>
+              <p:cNvPr id="5" name="文字方塊 4">
+                <a:extLst>
+                  <a:ext uri="{FF2B5EF4-FFF2-40B4-BE49-F238E27FC236}">
+                    <a16:creationId xmlns:a16="http://schemas.microsoft.com/office/drawing/2014/main" id="{7A507955-724B-44E3-A4FE-5D24834D3699}"/>
+                  </a:ext>
+                </a:extLst>
+              </p:cNvPr>
+              <p:cNvSpPr txBox="1">
+                <a:spLocks noRot="1" noChangeAspect="1" noMove="1" noResize="1" noEditPoints="1" noAdjustHandles="1" noChangeArrowheads="1" noChangeShapeType="1" noTextEdit="1"/>
+              </p:cNvSpPr>
+              <p:nvPr/>
+            </p:nvSpPr>
+            <p:spPr>
+              <a:xfrm>
+                <a:off x="5939405" y="2228671"/>
+                <a:ext cx="4689446" cy="1498744"/>
+              </a:xfrm>
+              <a:prstGeom prst="rect">
+                <a:avLst/>
+              </a:prstGeom>
+              <a:blipFill>
+                <a:blip r:embed="rId2"/>
+                <a:stretch>
+                  <a:fillRect l="-1039" t="-2449" r="-1688" b="-6531"/>
+                </a:stretch>
+              </a:blipFill>
+            </p:spPr>
+            <p:txBody>
+              <a:bodyPr/>
+              <a:lstStyle/>
+              <a:p>
+                <a:r>
+                  <a:rPr lang="zh-TW" altLang="en-US">
+                    <a:noFill/>
+                  </a:rPr>
+                  <a:t> </a:t>
+                </a:r>
+              </a:p>
+            </p:txBody>
+          </p:sp>
+        </mc:Fallback>
+      </mc:AlternateContent>
+      <p:cxnSp>
+        <p:nvCxnSpPr>
+          <p:cNvPr id="3" name="直線單箭頭接點 2">
+            <a:extLst>
+              <a:ext uri="{FF2B5EF4-FFF2-40B4-BE49-F238E27FC236}">
+                <a16:creationId xmlns:a16="http://schemas.microsoft.com/office/drawing/2014/main" id="{C1227214-7376-3F62-5F56-034EE3BD875C}"/>
+              </a:ext>
+            </a:extLst>
+          </p:cNvPr>
+          <p:cNvCxnSpPr>
+            <a:cxnSpLocks/>
+          </p:cNvCxnSpPr>
+          <p:nvPr/>
+        </p:nvCxnSpPr>
+        <p:spPr>
+          <a:xfrm>
+            <a:off x="3360822" y="3130502"/>
+            <a:ext cx="0" cy="789807"/>
+          </a:xfrm>
+          <a:prstGeom prst="straightConnector1">
+            <a:avLst/>
+          </a:prstGeom>
+          <a:ln>
+            <a:tailEnd type="triangle"/>
+          </a:ln>
+        </p:spPr>
+        <p:style>
+          <a:lnRef idx="1">
+            <a:schemeClr val="dk1"/>
+          </a:lnRef>
+          <a:fillRef idx="0">
+            <a:schemeClr val="dk1"/>
+          </a:fillRef>
+          <a:effectRef idx="0">
+            <a:schemeClr val="dk1"/>
+          </a:effectRef>
+          <a:fontRef idx="minor">
+            <a:schemeClr val="tx1"/>
+          </a:fontRef>
+        </p:style>
+      </p:cxnSp>
       <p:sp>
         <p:nvSpPr>
-          <p:cNvPr id="5" name="文字方塊 4">
-            <a:extLst>
-              <a:ext uri="{FF2B5EF4-FFF2-40B4-BE49-F238E27FC236}">
-                <a16:creationId xmlns:a16="http://schemas.microsoft.com/office/drawing/2014/main" id="{7A507955-724B-44E3-A4FE-5D24834D3699}"/>
+          <p:cNvPr id="6" name="文字方塊 5">
+            <a:extLst>
+              <a:ext uri="{FF2B5EF4-FFF2-40B4-BE49-F238E27FC236}">
+                <a16:creationId xmlns:a16="http://schemas.microsoft.com/office/drawing/2014/main" id="{F97FE48B-C539-94D7-77C1-2A3FBF190F09}"/>
               </a:ext>
             </a:extLst>
           </p:cNvPr>
@@ -20443,8 +21682,8 @@
         </p:nvSpPr>
         <p:spPr>
           <a:xfrm>
-            <a:off x="5939405" y="2228671"/>
-            <a:ext cx="4689446" cy="1200329"/>
+            <a:off x="3460479" y="3339166"/>
+            <a:ext cx="2373717" cy="369332"/>
           </a:xfrm>
           <a:prstGeom prst="rect">
             <a:avLst/>
@@ -20458,135 +21697,781 @@
           <a:lstStyle/>
           <a:p>
             <a:r>
-              <a:rPr lang="en-US" altLang="zh-TW" dirty="0">
-                <a:latin typeface="Times New Roman" panose="02020603050405020304" pitchFamily="18" charset="0"/>
+              <a:rPr lang="zh-TW" altLang="en-US" dirty="0">
+                <a:latin typeface="標楷體" panose="03000509000000000000" pitchFamily="65" charset="-120"/>
                 <a:ea typeface="標楷體" panose="03000509000000000000" pitchFamily="65" charset="-120"/>
               </a:rPr>
-              <a:t>x` =</a:t>
-            </a:r>
-            <a:r>
-              <a:rPr lang="zh-TW" altLang="en-US" dirty="0">
-                <a:latin typeface="Times New Roman" panose="02020603050405020304" pitchFamily="18" charset="0"/>
-                <a:ea typeface="標楷體" panose="03000509000000000000" pitchFamily="65" charset="-120"/>
-              </a:rPr>
-              <a:t> 未知。</a:t>
-            </a:r>
-            <a:endParaRPr lang="en-US" altLang="zh-TW" dirty="0">
-              <a:latin typeface="Times New Roman" panose="02020603050405020304" pitchFamily="18" charset="0"/>
-              <a:ea typeface="標楷體" panose="03000509000000000000" pitchFamily="65" charset="-120"/>
-            </a:endParaRPr>
-          </a:p>
-          <a:p>
-            <a:r>
-              <a:rPr lang="en-US" altLang="zh-TW" dirty="0">
+              <a:t>參數帶入、並移項</a:t>
+            </a:r>
+          </a:p>
+        </p:txBody>
+      </p:sp>
+      <mc:AlternateContent xmlns:mc="http://schemas.openxmlformats.org/markup-compatibility/2006">
+        <mc:Choice xmlns:a14="http://schemas.microsoft.com/office/drawing/2010/main" Requires="a14">
+          <p:sp>
+            <p:nvSpPr>
+              <p:cNvPr id="9" name="文字方塊 8">
+                <a:extLst>
+                  <a:ext uri="{FF2B5EF4-FFF2-40B4-BE49-F238E27FC236}">
+                    <a16:creationId xmlns:a16="http://schemas.microsoft.com/office/drawing/2014/main" id="{71DDE789-0332-CA29-392B-EBD8849DB5F4}"/>
+                  </a:ext>
+                </a:extLst>
+              </p:cNvPr>
+              <p:cNvSpPr txBox="1"/>
+              <p:nvPr/>
+            </p:nvSpPr>
+            <p:spPr>
+              <a:xfrm>
+                <a:off x="2229516" y="2746576"/>
+                <a:ext cx="2262611" cy="369332"/>
+              </a:xfrm>
+              <a:prstGeom prst="rect">
+                <a:avLst/>
+              </a:prstGeom>
+              <a:noFill/>
+              <a:ln>
+                <a:noFill/>
+              </a:ln>
+            </p:spPr>
+            <p:txBody>
+              <a:bodyPr wrap="square">
+                <a:spAutoFit/>
+              </a:bodyPr>
+              <a:lstStyle/>
+              <a:p>
+                <a:pPr/>
+                <a14:m>
+                  <m:oMathPara xmlns:m="http://schemas.openxmlformats.org/officeDocument/2006/math">
+                    <m:oMathParaPr>
+                      <m:jc m:val="centerGroup"/>
+                    </m:oMathParaPr>
+                    <m:oMath xmlns:m="http://schemas.openxmlformats.org/officeDocument/2006/math">
+                      <m:r>
+                        <a:rPr lang="en-US" altLang="zh-TW" b="0" i="1" smtClean="0">
+                          <a:latin typeface="Cambria Math" panose="02040503050406030204" pitchFamily="18" charset="0"/>
+                        </a:rPr>
+                        <m:t>𝑦</m:t>
+                      </m:r>
+                      <m:r>
+                        <a:rPr lang="en-US" altLang="zh-TW" b="0" i="1" smtClean="0">
+                          <a:latin typeface="Cambria Math" panose="02040503050406030204" pitchFamily="18" charset="0"/>
+                        </a:rPr>
+                        <m:t>′−</m:t>
+                      </m:r>
+                      <m:r>
+                        <a:rPr lang="en-US" altLang="zh-TW" b="0" i="1" smtClean="0">
+                          <a:latin typeface="Cambria Math" panose="02040503050406030204" pitchFamily="18" charset="0"/>
+                        </a:rPr>
+                        <m:t>𝑦</m:t>
+                      </m:r>
+                      <m:r>
+                        <a:rPr lang="en-US" altLang="zh-TW" b="0" i="1" smtClean="0">
+                          <a:latin typeface="Cambria Math" panose="02040503050406030204" pitchFamily="18" charset="0"/>
+                        </a:rPr>
+                        <m:t>=</m:t>
+                      </m:r>
+                      <m:r>
+                        <a:rPr lang="en-US" altLang="zh-TW" b="0" i="1" smtClean="0">
+                          <a:latin typeface="Cambria Math" panose="02040503050406030204" pitchFamily="18" charset="0"/>
+                        </a:rPr>
+                        <m:t>𝑚</m:t>
+                      </m:r>
+                      <m:r>
+                        <a:rPr lang="en-US" altLang="zh-TW" b="0" i="1" smtClean="0">
+                          <a:latin typeface="Cambria Math" panose="02040503050406030204" pitchFamily="18" charset="0"/>
+                        </a:rPr>
+                        <m:t>(</m:t>
+                      </m:r>
+                      <m:sSup>
+                        <m:sSupPr>
+                          <m:ctrlPr>
+                            <a:rPr lang="en-US" altLang="zh-TW" b="0" i="1" smtClean="0">
+                              <a:latin typeface="Cambria Math" panose="02040503050406030204" pitchFamily="18" charset="0"/>
+                            </a:rPr>
+                          </m:ctrlPr>
+                        </m:sSupPr>
+                        <m:e>
+                          <m:r>
+                            <a:rPr lang="en-US" altLang="zh-TW" b="0" i="1" smtClean="0">
+                              <a:latin typeface="Cambria Math" panose="02040503050406030204" pitchFamily="18" charset="0"/>
+                            </a:rPr>
+                            <m:t>𝑥</m:t>
+                          </m:r>
+                        </m:e>
+                        <m:sup>
+                          <m:r>
+                            <a:rPr lang="en-US" altLang="zh-TW" b="0" i="1" smtClean="0">
+                              <a:latin typeface="Cambria Math" panose="02040503050406030204" pitchFamily="18" charset="0"/>
+                            </a:rPr>
+                            <m:t>′</m:t>
+                          </m:r>
+                        </m:sup>
+                      </m:sSup>
+                      <m:r>
+                        <a:rPr lang="en-US" altLang="zh-TW" b="0" i="1" smtClean="0">
+                          <a:latin typeface="Cambria Math" panose="02040503050406030204" pitchFamily="18" charset="0"/>
+                        </a:rPr>
+                        <m:t>−</m:t>
+                      </m:r>
+                      <m:r>
+                        <a:rPr lang="en-US" altLang="zh-TW" b="0" i="1" smtClean="0">
+                          <a:latin typeface="Cambria Math" panose="02040503050406030204" pitchFamily="18" charset="0"/>
+                        </a:rPr>
+                        <m:t>𝑥</m:t>
+                      </m:r>
+                      <m:r>
+                        <a:rPr lang="en-US" altLang="zh-TW" b="0" i="1" smtClean="0">
+                          <a:latin typeface="Cambria Math" panose="02040503050406030204" pitchFamily="18" charset="0"/>
+                        </a:rPr>
+                        <m:t>)</m:t>
+                      </m:r>
+                    </m:oMath>
+                  </m:oMathPara>
+                </a14:m>
+                <a:endParaRPr lang="zh-TW" altLang="en-US" dirty="0"/>
+              </a:p>
+            </p:txBody>
+          </p:sp>
+        </mc:Choice>
+        <mc:Fallback>
+          <p:sp>
+            <p:nvSpPr>
+              <p:cNvPr id="9" name="文字方塊 8">
+                <a:extLst>
+                  <a:ext uri="{FF2B5EF4-FFF2-40B4-BE49-F238E27FC236}">
+                    <a16:creationId xmlns:a16="http://schemas.microsoft.com/office/drawing/2014/main" id="{71DDE789-0332-CA29-392B-EBD8849DB5F4}"/>
+                  </a:ext>
+                </a:extLst>
+              </p:cNvPr>
+              <p:cNvSpPr txBox="1">
+                <a:spLocks noRot="1" noChangeAspect="1" noMove="1" noResize="1" noEditPoints="1" noAdjustHandles="1" noChangeArrowheads="1" noChangeShapeType="1" noTextEdit="1"/>
+              </p:cNvSpPr>
+              <p:nvPr/>
+            </p:nvSpPr>
+            <p:spPr>
+              <a:xfrm>
+                <a:off x="2229516" y="2746576"/>
+                <a:ext cx="2262611" cy="369332"/>
+              </a:xfrm>
+              <a:prstGeom prst="rect">
+                <a:avLst/>
+              </a:prstGeom>
+              <a:blipFill>
+                <a:blip r:embed="rId3"/>
+                <a:stretch>
+                  <a:fillRect b="-16667"/>
+                </a:stretch>
+              </a:blipFill>
+              <a:ln>
+                <a:noFill/>
+              </a:ln>
+            </p:spPr>
+            <p:txBody>
+              <a:bodyPr/>
+              <a:lstStyle/>
+              <a:p>
+                <a:r>
+                  <a:rPr lang="zh-TW" altLang="en-US">
+                    <a:noFill/>
+                  </a:rPr>
+                  <a:t> </a:t>
+                </a:r>
+              </a:p>
+            </p:txBody>
+          </p:sp>
+        </mc:Fallback>
+      </mc:AlternateContent>
+      <p:sp>
+        <p:nvSpPr>
+          <p:cNvPr id="23" name="矩形 22">
+            <a:extLst>
+              <a:ext uri="{FF2B5EF4-FFF2-40B4-BE49-F238E27FC236}">
+                <a16:creationId xmlns:a16="http://schemas.microsoft.com/office/drawing/2014/main" id="{1C70C31D-C3D3-E2A2-D8CB-5DACF1B1DA54}"/>
+              </a:ext>
+            </a:extLst>
+          </p:cNvPr>
+          <p:cNvSpPr/>
+          <p:nvPr/>
+        </p:nvSpPr>
+        <p:spPr>
+          <a:xfrm>
+            <a:off x="5306683" y="3985404"/>
+            <a:ext cx="1214887" cy="2329132"/>
+          </a:xfrm>
+          <a:prstGeom prst="rect">
+            <a:avLst/>
+          </a:prstGeom>
+        </p:spPr>
+        <p:style>
+          <a:lnRef idx="1">
+            <a:schemeClr val="accent1"/>
+          </a:lnRef>
+          <a:fillRef idx="2">
+            <a:schemeClr val="accent1"/>
+          </a:fillRef>
+          <a:effectRef idx="1">
+            <a:schemeClr val="accent1"/>
+          </a:effectRef>
+          <a:fontRef idx="minor">
+            <a:schemeClr val="dk1"/>
+          </a:fontRef>
+        </p:style>
+        <p:txBody>
+          <a:bodyPr rtlCol="0" anchor="ctr"/>
+          <a:lstStyle/>
+          <a:p>
+            <a:pPr algn="ctr"/>
+            <a:endParaRPr lang="zh-TW" altLang="en-US"/>
+          </a:p>
+        </p:txBody>
+      </p:sp>
+      <p:sp>
+        <p:nvSpPr>
+          <p:cNvPr id="22" name="矩形 21">
+            <a:extLst>
+              <a:ext uri="{FF2B5EF4-FFF2-40B4-BE49-F238E27FC236}">
+                <a16:creationId xmlns:a16="http://schemas.microsoft.com/office/drawing/2014/main" id="{281CB230-235D-6538-2414-95201D03C0B0}"/>
+              </a:ext>
+            </a:extLst>
+          </p:cNvPr>
+          <p:cNvSpPr/>
+          <p:nvPr/>
+        </p:nvSpPr>
+        <p:spPr>
+          <a:xfrm>
+            <a:off x="6521570" y="3985404"/>
+            <a:ext cx="1214887" cy="2329132"/>
+          </a:xfrm>
+          <a:prstGeom prst="rect">
+            <a:avLst/>
+          </a:prstGeom>
+        </p:spPr>
+        <p:style>
+          <a:lnRef idx="2">
+            <a:schemeClr val="accent1">
+              <a:shade val="15000"/>
+            </a:schemeClr>
+          </a:lnRef>
+          <a:fillRef idx="1">
+            <a:schemeClr val="accent1"/>
+          </a:fillRef>
+          <a:effectRef idx="0">
+            <a:schemeClr val="accent1"/>
+          </a:effectRef>
+          <a:fontRef idx="minor">
+            <a:schemeClr val="lt1"/>
+          </a:fontRef>
+        </p:style>
+        <p:txBody>
+          <a:bodyPr rtlCol="0" anchor="ctr"/>
+          <a:lstStyle/>
+          <a:p>
+            <a:pPr algn="ctr"/>
+            <a:endParaRPr lang="zh-TW" altLang="en-US"/>
+          </a:p>
+        </p:txBody>
+      </p:sp>
+      <mc:AlternateContent xmlns:mc="http://schemas.openxmlformats.org/markup-compatibility/2006">
+        <mc:Choice xmlns:a14="http://schemas.microsoft.com/office/drawing/2010/main" Requires="a14">
+          <p:sp>
+            <p:nvSpPr>
+              <p:cNvPr id="10" name="文字方塊 9">
+                <a:extLst>
+                  <a:ext uri="{FF2B5EF4-FFF2-40B4-BE49-F238E27FC236}">
+                    <a16:creationId xmlns:a16="http://schemas.microsoft.com/office/drawing/2014/main" id="{01D3843D-D59A-D466-16D4-05334C3A1E1D}"/>
+                  </a:ext>
+                </a:extLst>
+              </p:cNvPr>
+              <p:cNvSpPr txBox="1"/>
+              <p:nvPr/>
+            </p:nvSpPr>
+            <p:spPr>
+              <a:xfrm>
+                <a:off x="2495812" y="3907758"/>
+                <a:ext cx="1991379" cy="814518"/>
+              </a:xfrm>
+              <a:prstGeom prst="rect">
+                <a:avLst/>
+              </a:prstGeom>
+              <a:noFill/>
+            </p:spPr>
+            <p:txBody>
+              <a:bodyPr wrap="none" lIns="0" tIns="0" rIns="0" bIns="0" rtlCol="0">
+                <a:spAutoFit/>
+              </a:bodyPr>
+              <a:lstStyle/>
+              <a:p>
+                <a14:m>
+                  <m:oMathPara xmlns:m="http://schemas.openxmlformats.org/officeDocument/2006/math">
+                    <m:oMathParaPr>
+                      <m:jc m:val="centerGroup"/>
+                    </m:oMathParaPr>
+                    <m:oMath xmlns:m="http://schemas.openxmlformats.org/officeDocument/2006/math">
+                      <m:sSup>
+                        <m:sSupPr>
+                          <m:ctrlPr>
+                            <a:rPr lang="en-US" altLang="zh-TW" b="0" i="1" smtClean="0">
+                              <a:latin typeface="Cambria Math" panose="02040503050406030204" pitchFamily="18" charset="0"/>
+                            </a:rPr>
+                          </m:ctrlPr>
+                        </m:sSupPr>
+                        <m:e>
+                          <m:r>
+                            <a:rPr lang="en-US" altLang="zh-TW" b="0" i="1" smtClean="0">
+                              <a:latin typeface="Cambria Math" panose="02040503050406030204" pitchFamily="18" charset="0"/>
+                            </a:rPr>
+                            <m:t>𝑥</m:t>
+                          </m:r>
+                        </m:e>
+                        <m:sup>
+                          <m:r>
+                            <a:rPr lang="en-US" altLang="zh-TW" b="0" i="1" smtClean="0">
+                              <a:latin typeface="Cambria Math" panose="02040503050406030204" pitchFamily="18" charset="0"/>
+                            </a:rPr>
+                            <m:t>′</m:t>
+                          </m:r>
+                        </m:sup>
+                      </m:sSup>
+                      <m:r>
+                        <a:rPr lang="en-US" altLang="zh-TW" b="0" i="1" smtClean="0">
+                          <a:latin typeface="Cambria Math" panose="02040503050406030204" pitchFamily="18" charset="0"/>
+                        </a:rPr>
+                        <m:t>=</m:t>
+                      </m:r>
+                      <m:f>
+                        <m:fPr>
+                          <m:ctrlPr>
+                            <a:rPr lang="en-US" altLang="zh-TW" b="0" i="1" smtClean="0">
+                              <a:latin typeface="Cambria Math" panose="02040503050406030204" pitchFamily="18" charset="0"/>
+                            </a:rPr>
+                          </m:ctrlPr>
+                        </m:fPr>
+                        <m:num>
+                          <m:r>
+                            <a:rPr lang="en-US" altLang="zh-TW" b="0" i="1" smtClean="0">
+                              <a:latin typeface="Cambria Math" panose="02040503050406030204" pitchFamily="18" charset="0"/>
+                            </a:rPr>
+                            <m:t>(</m:t>
+                          </m:r>
+                          <m:r>
+                            <a:rPr lang="en-US" altLang="zh-TW" b="0" i="1" smtClean="0">
+                              <a:solidFill>
+                                <a:srgbClr val="FF0000"/>
+                              </a:solidFill>
+                              <a:latin typeface="Cambria Math" panose="02040503050406030204" pitchFamily="18" charset="0"/>
+                            </a:rPr>
+                            <m:t>420</m:t>
+                          </m:r>
+                          <m:r>
+                            <a:rPr lang="en-US" altLang="zh-TW" b="0" i="1" smtClean="0">
+                              <a:latin typeface="Cambria Math" panose="02040503050406030204" pitchFamily="18" charset="0"/>
+                            </a:rPr>
+                            <m:t>−</m:t>
+                          </m:r>
+                          <m:r>
+                            <a:rPr lang="en-US" altLang="zh-TW" b="0" i="1" smtClean="0">
+                              <a:latin typeface="Cambria Math" panose="02040503050406030204" pitchFamily="18" charset="0"/>
+                            </a:rPr>
+                            <m:t>𝑦</m:t>
+                          </m:r>
+                          <m:r>
+                            <a:rPr lang="en-US" altLang="zh-TW" b="0" i="1" smtClean="0">
+                              <a:latin typeface="Cambria Math" panose="02040503050406030204" pitchFamily="18" charset="0"/>
+                            </a:rPr>
+                            <m:t>)</m:t>
+                          </m:r>
+                        </m:num>
+                        <m:den>
+                          <m:r>
+                            <a:rPr lang="en-US" altLang="zh-TW" b="0" i="1" smtClean="0">
+                              <a:latin typeface="Cambria Math" panose="02040503050406030204" pitchFamily="18" charset="0"/>
+                            </a:rPr>
+                            <m:t>(</m:t>
+                          </m:r>
+                          <m:f>
+                            <m:fPr>
+                              <m:ctrlPr>
+                                <a:rPr lang="en-US" altLang="zh-TW" b="0" i="1" smtClean="0">
+                                  <a:latin typeface="Cambria Math" panose="02040503050406030204" pitchFamily="18" charset="0"/>
+                                </a:rPr>
+                              </m:ctrlPr>
+                            </m:fPr>
+                            <m:num>
+                              <m:r>
+                                <a:rPr lang="en-US" altLang="zh-TW" b="0" i="1" smtClean="0">
+                                  <a:latin typeface="Cambria Math" panose="02040503050406030204" pitchFamily="18" charset="0"/>
+                                </a:rPr>
+                                <m:t>𝑦</m:t>
+                              </m:r>
+                              <m:r>
+                                <a:rPr lang="en-US" altLang="zh-TW" b="0" i="1" smtClean="0">
+                                  <a:latin typeface="Cambria Math" panose="02040503050406030204" pitchFamily="18" charset="0"/>
+                                </a:rPr>
+                                <m:t>−</m:t>
+                              </m:r>
+                              <m:sSub>
+                                <m:sSubPr>
+                                  <m:ctrlPr>
+                                    <a:rPr lang="en-US" altLang="zh-TW" b="0" i="1" smtClean="0">
+                                      <a:latin typeface="Cambria Math" panose="02040503050406030204" pitchFamily="18" charset="0"/>
+                                    </a:rPr>
+                                  </m:ctrlPr>
+                                </m:sSubPr>
+                                <m:e>
+                                  <m:r>
+                                    <a:rPr lang="en-US" altLang="zh-TW" b="0" i="1" smtClean="0">
+                                      <a:latin typeface="Cambria Math" panose="02040503050406030204" pitchFamily="18" charset="0"/>
+                                    </a:rPr>
+                                    <m:t>𝑦</m:t>
+                                  </m:r>
+                                </m:e>
+                                <m:sub>
+                                  <m:r>
+                                    <a:rPr lang="en-US" altLang="zh-TW" b="0" i="1" smtClean="0">
+                                      <a:latin typeface="Cambria Math" panose="02040503050406030204" pitchFamily="18" charset="0"/>
+                                    </a:rPr>
+                                    <m:t>𝑝𝑟𝑒</m:t>
+                                  </m:r>
+                                </m:sub>
+                              </m:sSub>
+                            </m:num>
+                            <m:den>
+                              <m:r>
+                                <a:rPr lang="en-US" altLang="zh-TW" b="0" i="1" smtClean="0">
+                                  <a:latin typeface="Cambria Math" panose="02040503050406030204" pitchFamily="18" charset="0"/>
+                                </a:rPr>
+                                <m:t>𝑥</m:t>
+                              </m:r>
+                              <m:r>
+                                <a:rPr lang="en-US" altLang="zh-TW" i="1">
+                                  <a:latin typeface="Cambria Math" panose="02040503050406030204" pitchFamily="18" charset="0"/>
+                                </a:rPr>
+                                <m:t>−</m:t>
+                              </m:r>
+                              <m:sSub>
+                                <m:sSubPr>
+                                  <m:ctrlPr>
+                                    <a:rPr lang="en-US" altLang="zh-TW" i="1">
+                                      <a:latin typeface="Cambria Math" panose="02040503050406030204" pitchFamily="18" charset="0"/>
+                                    </a:rPr>
+                                  </m:ctrlPr>
+                                </m:sSubPr>
+                                <m:e>
+                                  <m:r>
+                                    <a:rPr lang="en-US" altLang="zh-TW" b="0" i="1" smtClean="0">
+                                      <a:latin typeface="Cambria Math" panose="02040503050406030204" pitchFamily="18" charset="0"/>
+                                    </a:rPr>
+                                    <m:t>𝑥</m:t>
+                                  </m:r>
+                                </m:e>
+                                <m:sub>
+                                  <m:r>
+                                    <a:rPr lang="en-US" altLang="zh-TW" i="1">
+                                      <a:latin typeface="Cambria Math" panose="02040503050406030204" pitchFamily="18" charset="0"/>
+                                    </a:rPr>
+                                    <m:t>𝑝𝑟𝑒</m:t>
+                                  </m:r>
+                                </m:sub>
+                              </m:sSub>
+                            </m:den>
+                          </m:f>
+                          <m:r>
+                            <a:rPr lang="en-US" altLang="zh-TW" b="0" i="1" smtClean="0">
+                              <a:latin typeface="Cambria Math" panose="02040503050406030204" pitchFamily="18" charset="0"/>
+                            </a:rPr>
+                            <m:t>)</m:t>
+                          </m:r>
+                        </m:den>
+                      </m:f>
+                      <m:r>
+                        <a:rPr lang="en-US" altLang="zh-TW" b="0" i="1" smtClean="0">
+                          <a:latin typeface="Cambria Math" panose="02040503050406030204" pitchFamily="18" charset="0"/>
+                        </a:rPr>
+                        <m:t>+</m:t>
+                      </m:r>
+                      <m:r>
+                        <a:rPr lang="en-US" altLang="zh-TW" b="0" i="1" smtClean="0">
+                          <a:latin typeface="Cambria Math" panose="02040503050406030204" pitchFamily="18" charset="0"/>
+                        </a:rPr>
+                        <m:t>𝑥</m:t>
+                      </m:r>
+                    </m:oMath>
+                  </m:oMathPara>
+                </a14:m>
+                <a:endParaRPr lang="zh-TW" altLang="en-US" dirty="0"/>
+              </a:p>
+            </p:txBody>
+          </p:sp>
+        </mc:Choice>
+        <mc:Fallback>
+          <p:sp>
+            <p:nvSpPr>
+              <p:cNvPr id="10" name="文字方塊 9">
+                <a:extLst>
+                  <a:ext uri="{FF2B5EF4-FFF2-40B4-BE49-F238E27FC236}">
+                    <a16:creationId xmlns:a16="http://schemas.microsoft.com/office/drawing/2014/main" id="{01D3843D-D59A-D466-16D4-05334C3A1E1D}"/>
+                  </a:ext>
+                </a:extLst>
+              </p:cNvPr>
+              <p:cNvSpPr txBox="1">
+                <a:spLocks noRot="1" noChangeAspect="1" noMove="1" noResize="1" noEditPoints="1" noAdjustHandles="1" noChangeArrowheads="1" noChangeShapeType="1" noTextEdit="1"/>
+              </p:cNvSpPr>
+              <p:nvPr/>
+            </p:nvSpPr>
+            <p:spPr>
+              <a:xfrm>
+                <a:off x="2495812" y="3907758"/>
+                <a:ext cx="1991379" cy="814518"/>
+              </a:xfrm>
+              <a:prstGeom prst="rect">
+                <a:avLst/>
+              </a:prstGeom>
+              <a:blipFill>
+                <a:blip r:embed="rId4"/>
+                <a:stretch>
+                  <a:fillRect/>
+                </a:stretch>
+              </a:blipFill>
+            </p:spPr>
+            <p:txBody>
+              <a:bodyPr/>
+              <a:lstStyle/>
+              <a:p>
+                <a:r>
+                  <a:rPr lang="zh-TW" altLang="en-US">
+                    <a:noFill/>
+                  </a:rPr>
+                  <a:t> </a:t>
+                </a:r>
+              </a:p>
+            </p:txBody>
+          </p:sp>
+        </mc:Fallback>
+      </mc:AlternateContent>
+      <p:sp>
+        <p:nvSpPr>
+          <p:cNvPr id="12" name="日期版面配置區 3">
+            <a:extLst>
+              <a:ext uri="{FF2B5EF4-FFF2-40B4-BE49-F238E27FC236}">
+                <a16:creationId xmlns:a16="http://schemas.microsoft.com/office/drawing/2014/main" id="{39E99589-3D61-DAE3-B4F3-AE062BF5BDDA}"/>
+              </a:ext>
+            </a:extLst>
+          </p:cNvPr>
+          <p:cNvSpPr txBox="1">
+            <a:spLocks/>
+          </p:cNvSpPr>
+          <p:nvPr/>
+        </p:nvSpPr>
+        <p:spPr>
+          <a:xfrm>
+            <a:off x="8218426" y="6446838"/>
+            <a:ext cx="2584850" cy="365125"/>
+          </a:xfrm>
+          <a:prstGeom prst="rect">
+            <a:avLst/>
+          </a:prstGeom>
+        </p:spPr>
+        <p:txBody>
+          <a:bodyPr vert="horz" lIns="91440" tIns="45720" rIns="91440" bIns="45720" rtlCol="0" anchor="ctr"/>
+          <a:lstStyle>
+            <a:defPPr rtl="0">
+              <a:defRPr lang="zh-tw"/>
+            </a:defPPr>
+            <a:lvl1pPr marL="0" algn="r" defTabSz="914400" rtl="0" eaLnBrk="1" latinLnBrk="0" hangingPunct="1">
+              <a:defRPr sz="800" kern="1200">
                 <a:solidFill>
-                  <a:srgbClr val="FF0000"/>
+                  <a:srgbClr val="FFFFFF"/>
                 </a:solidFill>
-                <a:latin typeface="Times New Roman" panose="02020603050405020304" pitchFamily="18" charset="0"/>
-                <a:ea typeface="標楷體" panose="03000509000000000000" pitchFamily="65" charset="-120"/>
-              </a:rPr>
-              <a:t>y` = 420</a:t>
-            </a:r>
-            <a:r>
-              <a:rPr lang="zh-TW" altLang="en-US" dirty="0">
+                <a:latin typeface="Microsoft JhengHei UI" panose="020B0604030504040204" pitchFamily="34" charset="-120"/>
+                <a:ea typeface="Microsoft JhengHei UI" panose="020B0604030504040204" pitchFamily="34" charset="-120"/>
+                <a:cs typeface="+mn-cs"/>
+              </a:defRPr>
+            </a:lvl1pPr>
+            <a:lvl2pPr marL="457200" algn="l" defTabSz="914400" rtl="0" eaLnBrk="1" latinLnBrk="0" hangingPunct="1">
+              <a:defRPr sz="1800" kern="1200">
                 <a:solidFill>
-                  <a:srgbClr val="FF0000"/>
+                  <a:schemeClr val="tx1"/>
                 </a:solidFill>
-                <a:latin typeface="Times New Roman" panose="02020603050405020304" pitchFamily="18" charset="0"/>
-                <a:ea typeface="標楷體" panose="03000509000000000000" pitchFamily="65" charset="-120"/>
-              </a:rPr>
-              <a:t>，球拍固定位置。</a:t>
-            </a:r>
-            <a:endParaRPr lang="en-US" altLang="zh-TW" dirty="0">
-              <a:solidFill>
-                <a:srgbClr val="FF0000"/>
-              </a:solidFill>
-              <a:latin typeface="Times New Roman" panose="02020603050405020304" pitchFamily="18" charset="0"/>
-              <a:ea typeface="標楷體" panose="03000509000000000000" pitchFamily="65" charset="-120"/>
-            </a:endParaRPr>
-          </a:p>
-          <a:p>
-            <a:r>
-              <a:rPr lang="en-US" altLang="zh-TW" dirty="0">
-                <a:latin typeface="Times New Roman" panose="02020603050405020304" pitchFamily="18" charset="0"/>
-                <a:ea typeface="標楷體" panose="03000509000000000000" pitchFamily="65" charset="-120"/>
-              </a:rPr>
-              <a:t>x </a:t>
-            </a:r>
-            <a:r>
-              <a:rPr lang="zh-TW" altLang="en-US" dirty="0">
-                <a:latin typeface="Times New Roman" panose="02020603050405020304" pitchFamily="18" charset="0"/>
-                <a:ea typeface="標楷體" panose="03000509000000000000" pitchFamily="65" charset="-120"/>
-              </a:rPr>
-              <a:t>、</a:t>
-            </a:r>
-            <a:r>
-              <a:rPr lang="en-US" altLang="zh-TW" dirty="0">
-                <a:latin typeface="Times New Roman" panose="02020603050405020304" pitchFamily="18" charset="0"/>
-                <a:ea typeface="標楷體" panose="03000509000000000000" pitchFamily="65" charset="-120"/>
-              </a:rPr>
-              <a:t>y =</a:t>
-            </a:r>
-            <a:r>
-              <a:rPr lang="zh-TW" altLang="en-US" dirty="0">
-                <a:latin typeface="Times New Roman" panose="02020603050405020304" pitchFamily="18" charset="0"/>
-                <a:ea typeface="標楷體" panose="03000509000000000000" pitchFamily="65" charset="-120"/>
-              </a:rPr>
-              <a:t> 球當前位置。</a:t>
-            </a:r>
-            <a:endParaRPr lang="en-US" altLang="zh-TW" dirty="0">
-              <a:latin typeface="Times New Roman" panose="02020603050405020304" pitchFamily="18" charset="0"/>
-              <a:ea typeface="標楷體" panose="03000509000000000000" pitchFamily="65" charset="-120"/>
-            </a:endParaRPr>
-          </a:p>
-          <a:p>
-            <a:r>
-              <a:rPr lang="en-US" altLang="zh-TW" dirty="0">
-                <a:latin typeface="Times New Roman" panose="02020603050405020304" pitchFamily="18" charset="0"/>
-                <a:ea typeface="標楷體" panose="03000509000000000000" pitchFamily="65" charset="-120"/>
-              </a:rPr>
-              <a:t>m = </a:t>
-            </a:r>
-            <a:r>
-              <a:rPr lang="zh-TW" altLang="en-US" dirty="0">
-                <a:latin typeface="Times New Roman" panose="02020603050405020304" pitchFamily="18" charset="0"/>
-                <a:ea typeface="標楷體" panose="03000509000000000000" pitchFamily="65" charset="-120"/>
-              </a:rPr>
-              <a:t>利用球當前位置與前一幀位置計算斜率。</a:t>
-            </a:r>
-            <a:r>
-              <a:rPr lang="en-US" altLang="zh-TW" dirty="0">
-                <a:latin typeface="Times New Roman" panose="02020603050405020304" pitchFamily="18" charset="0"/>
-                <a:ea typeface="標楷體" panose="03000509000000000000" pitchFamily="65" charset="-120"/>
-              </a:rPr>
-              <a:t> </a:t>
-            </a:r>
-            <a:endParaRPr lang="zh-TW" altLang="en-US" dirty="0">
-              <a:latin typeface="Times New Roman" panose="02020603050405020304" pitchFamily="18" charset="0"/>
-              <a:ea typeface="標楷體" panose="03000509000000000000" pitchFamily="65" charset="-120"/>
-            </a:endParaRPr>
+                <a:latin typeface="+mn-lt"/>
+                <a:ea typeface="+mn-ea"/>
+                <a:cs typeface="+mn-cs"/>
+              </a:defRPr>
+            </a:lvl2pPr>
+            <a:lvl3pPr marL="914400" algn="l" defTabSz="914400" rtl="0" eaLnBrk="1" latinLnBrk="0" hangingPunct="1">
+              <a:defRPr sz="1800" kern="1200">
+                <a:solidFill>
+                  <a:schemeClr val="tx1"/>
+                </a:solidFill>
+                <a:latin typeface="+mn-lt"/>
+                <a:ea typeface="+mn-ea"/>
+                <a:cs typeface="+mn-cs"/>
+              </a:defRPr>
+            </a:lvl3pPr>
+            <a:lvl4pPr marL="1371600" algn="l" defTabSz="914400" rtl="0" eaLnBrk="1" latinLnBrk="0" hangingPunct="1">
+              <a:defRPr sz="1800" kern="1200">
+                <a:solidFill>
+                  <a:schemeClr val="tx1"/>
+                </a:solidFill>
+                <a:latin typeface="+mn-lt"/>
+                <a:ea typeface="+mn-ea"/>
+                <a:cs typeface="+mn-cs"/>
+              </a:defRPr>
+            </a:lvl4pPr>
+            <a:lvl5pPr marL="1828800" algn="l" defTabSz="914400" rtl="0" eaLnBrk="1" latinLnBrk="0" hangingPunct="1">
+              <a:defRPr sz="1800" kern="1200">
+                <a:solidFill>
+                  <a:schemeClr val="tx1"/>
+                </a:solidFill>
+                <a:latin typeface="+mn-lt"/>
+                <a:ea typeface="+mn-ea"/>
+                <a:cs typeface="+mn-cs"/>
+              </a:defRPr>
+            </a:lvl5pPr>
+            <a:lvl6pPr marL="2286000" algn="l" defTabSz="914400" rtl="0" eaLnBrk="1" latinLnBrk="0" hangingPunct="1">
+              <a:defRPr sz="1800" kern="1200">
+                <a:solidFill>
+                  <a:schemeClr val="tx1"/>
+                </a:solidFill>
+                <a:latin typeface="+mn-lt"/>
+                <a:ea typeface="+mn-ea"/>
+                <a:cs typeface="+mn-cs"/>
+              </a:defRPr>
+            </a:lvl6pPr>
+            <a:lvl7pPr marL="2743200" algn="l" defTabSz="914400" rtl="0" eaLnBrk="1" latinLnBrk="0" hangingPunct="1">
+              <a:defRPr sz="1800" kern="1200">
+                <a:solidFill>
+                  <a:schemeClr val="tx1"/>
+                </a:solidFill>
+                <a:latin typeface="+mn-lt"/>
+                <a:ea typeface="+mn-ea"/>
+                <a:cs typeface="+mn-cs"/>
+              </a:defRPr>
+            </a:lvl7pPr>
+            <a:lvl8pPr marL="3200400" algn="l" defTabSz="914400" rtl="0" eaLnBrk="1" latinLnBrk="0" hangingPunct="1">
+              <a:defRPr sz="1800" kern="1200">
+                <a:solidFill>
+                  <a:schemeClr val="tx1"/>
+                </a:solidFill>
+                <a:latin typeface="+mn-lt"/>
+                <a:ea typeface="+mn-ea"/>
+                <a:cs typeface="+mn-cs"/>
+              </a:defRPr>
+            </a:lvl8pPr>
+            <a:lvl9pPr marL="3657600" algn="l" defTabSz="914400" rtl="0" eaLnBrk="1" latinLnBrk="0" hangingPunct="1">
+              <a:defRPr sz="1800" kern="1200">
+                <a:solidFill>
+                  <a:schemeClr val="tx1"/>
+                </a:solidFill>
+                <a:latin typeface="+mn-lt"/>
+                <a:ea typeface="+mn-ea"/>
+                <a:cs typeface="+mn-cs"/>
+              </a:defRPr>
+            </a:lvl9pPr>
+          </a:lstStyle>
+          <a:p>
+            <a:fld id="{A55B7815-05FA-48A0-B9F7-1E04C4F2927A}" type="datetime1">
+              <a:rPr lang="zh-TW" altLang="en-US" smtClean="0"/>
+              <a:pPr/>
+              <a:t>2024/5/29</a:t>
+            </a:fld>
+            <a:endParaRPr lang="en-US" dirty="0"/>
           </a:p>
         </p:txBody>
       </p:sp>
       <p:cxnSp>
         <p:nvCxnSpPr>
-          <p:cNvPr id="7" name="直線單箭頭接點 6">
-            <a:extLst>
-              <a:ext uri="{FF2B5EF4-FFF2-40B4-BE49-F238E27FC236}">
-                <a16:creationId xmlns:a16="http://schemas.microsoft.com/office/drawing/2014/main" id="{22F42264-2324-4A1F-8A25-DC02FF5930CB}"/>
+          <p:cNvPr id="13" name="直線接點 12">
+            <a:extLst>
+              <a:ext uri="{FF2B5EF4-FFF2-40B4-BE49-F238E27FC236}">
+                <a16:creationId xmlns:a16="http://schemas.microsoft.com/office/drawing/2014/main" id="{86CC6FC3-5AE7-CDAB-24AF-7388C059E4A3}"/>
               </a:ext>
             </a:extLst>
           </p:cNvPr>
           <p:cNvCxnSpPr>
             <a:cxnSpLocks/>
-            <a:stCxn id="11" idx="2"/>
           </p:cNvCxnSpPr>
           <p:nvPr/>
         </p:nvCxnSpPr>
         <p:spPr>
           <a:xfrm>
-            <a:off x="3359425" y="3091650"/>
-            <a:ext cx="1397" cy="828659"/>
+            <a:off x="6521570" y="3985404"/>
+            <a:ext cx="0" cy="2329132"/>
+          </a:xfrm>
+          <a:prstGeom prst="line">
+            <a:avLst/>
+          </a:prstGeom>
+          <a:ln w="57150"/>
+        </p:spPr>
+        <p:style>
+          <a:lnRef idx="1">
+            <a:schemeClr val="dk1"/>
+          </a:lnRef>
+          <a:fillRef idx="0">
+            <a:schemeClr val="dk1"/>
+          </a:fillRef>
+          <a:effectRef idx="0">
+            <a:schemeClr val="dk1"/>
+          </a:effectRef>
+          <a:fontRef idx="minor">
+            <a:schemeClr val="tx1"/>
+          </a:fontRef>
+        </p:style>
+      </p:cxnSp>
+      <p:cxnSp>
+        <p:nvCxnSpPr>
+          <p:cNvPr id="14" name="直線接點 13">
+            <a:extLst>
+              <a:ext uri="{FF2B5EF4-FFF2-40B4-BE49-F238E27FC236}">
+                <a16:creationId xmlns:a16="http://schemas.microsoft.com/office/drawing/2014/main" id="{EC1CB978-3903-50DB-3659-A6A3E1710C1F}"/>
+              </a:ext>
+            </a:extLst>
+          </p:cNvPr>
+          <p:cNvCxnSpPr>
+            <a:cxnSpLocks/>
+          </p:cNvCxnSpPr>
+          <p:nvPr/>
+        </p:nvCxnSpPr>
+        <p:spPr>
+          <a:xfrm>
+            <a:off x="7691887" y="3985404"/>
+            <a:ext cx="0" cy="2329132"/>
+          </a:xfrm>
+          <a:prstGeom prst="line">
+            <a:avLst/>
+          </a:prstGeom>
+          <a:ln w="57150"/>
+        </p:spPr>
+        <p:style>
+          <a:lnRef idx="1">
+            <a:schemeClr val="dk1"/>
+          </a:lnRef>
+          <a:fillRef idx="0">
+            <a:schemeClr val="dk1"/>
+          </a:fillRef>
+          <a:effectRef idx="0">
+            <a:schemeClr val="dk1"/>
+          </a:effectRef>
+          <a:fontRef idx="minor">
+            <a:schemeClr val="tx1"/>
+          </a:fontRef>
+        </p:style>
+      </p:cxnSp>
+      <p:cxnSp>
+        <p:nvCxnSpPr>
+          <p:cNvPr id="16" name="直線單箭頭接點 15">
+            <a:extLst>
+              <a:ext uri="{FF2B5EF4-FFF2-40B4-BE49-F238E27FC236}">
+                <a16:creationId xmlns:a16="http://schemas.microsoft.com/office/drawing/2014/main" id="{4268EB12-DB76-4854-68CA-858B5410A1FA}"/>
+              </a:ext>
+            </a:extLst>
+          </p:cNvPr>
+          <p:cNvCxnSpPr/>
+          <p:nvPr/>
+        </p:nvCxnSpPr>
+        <p:spPr>
+          <a:xfrm flipH="1">
+            <a:off x="6521570" y="4339087"/>
+            <a:ext cx="603849" cy="560717"/>
           </a:xfrm>
           <a:prstGeom prst="straightConnector1">
             <a:avLst/>
@@ -20597,13 +22482,94 @@
         </p:spPr>
         <p:style>
           <a:lnRef idx="1">
-            <a:schemeClr val="accent1"/>
+            <a:schemeClr val="dk1"/>
           </a:lnRef>
           <a:fillRef idx="0">
-            <a:schemeClr val="accent1"/>
+            <a:schemeClr val="dk1"/>
           </a:fillRef>
           <a:effectRef idx="0">
-            <a:schemeClr val="accent1"/>
+            <a:schemeClr val="dk1"/>
+          </a:effectRef>
+          <a:fontRef idx="minor">
+            <a:schemeClr val="tx1"/>
+          </a:fontRef>
+        </p:style>
+      </p:cxnSp>
+      <p:cxnSp>
+        <p:nvCxnSpPr>
+          <p:cNvPr id="17" name="直線單箭頭接點 16">
+            <a:extLst>
+              <a:ext uri="{FF2B5EF4-FFF2-40B4-BE49-F238E27FC236}">
+                <a16:creationId xmlns:a16="http://schemas.microsoft.com/office/drawing/2014/main" id="{76371488-AE38-5A6B-7B9D-2489DBF0A0C1}"/>
+              </a:ext>
+            </a:extLst>
+          </p:cNvPr>
+          <p:cNvCxnSpPr/>
+          <p:nvPr/>
+        </p:nvCxnSpPr>
+        <p:spPr>
+          <a:xfrm>
+            <a:off x="6521570" y="4934309"/>
+            <a:ext cx="992038" cy="914400"/>
+          </a:xfrm>
+          <a:prstGeom prst="straightConnector1">
+            <a:avLst/>
+          </a:prstGeom>
+          <a:ln>
+            <a:tailEnd type="triangle"/>
+          </a:ln>
+        </p:spPr>
+        <p:style>
+          <a:lnRef idx="1">
+            <a:schemeClr val="dk1"/>
+          </a:lnRef>
+          <a:fillRef idx="0">
+            <a:schemeClr val="dk1"/>
+          </a:fillRef>
+          <a:effectRef idx="0">
+            <a:schemeClr val="dk1"/>
+          </a:effectRef>
+          <a:fontRef idx="minor">
+            <a:schemeClr val="tx1"/>
+          </a:fontRef>
+        </p:style>
+      </p:cxnSp>
+      <p:cxnSp>
+        <p:nvCxnSpPr>
+          <p:cNvPr id="18" name="直線單箭頭接點 17">
+            <a:extLst>
+              <a:ext uri="{FF2B5EF4-FFF2-40B4-BE49-F238E27FC236}">
+                <a16:creationId xmlns:a16="http://schemas.microsoft.com/office/drawing/2014/main" id="{56A7E967-566D-D36E-9F6A-0FC90A7EB809}"/>
+              </a:ext>
+            </a:extLst>
+          </p:cNvPr>
+          <p:cNvCxnSpPr>
+            <a:cxnSpLocks/>
+          </p:cNvCxnSpPr>
+          <p:nvPr/>
+        </p:nvCxnSpPr>
+        <p:spPr>
+          <a:xfrm flipH="1">
+            <a:off x="5503653" y="4899804"/>
+            <a:ext cx="1017917" cy="974784"/>
+          </a:xfrm>
+          <a:prstGeom prst="straightConnector1">
+            <a:avLst/>
+          </a:prstGeom>
+          <a:ln>
+            <a:prstDash val="lgDash"/>
+            <a:tailEnd type="triangle"/>
+          </a:ln>
+        </p:spPr>
+        <p:style>
+          <a:lnRef idx="1">
+            <a:schemeClr val="dk1"/>
+          </a:lnRef>
+          <a:fillRef idx="0">
+            <a:schemeClr val="dk1"/>
+          </a:fillRef>
+          <a:effectRef idx="0">
+            <a:schemeClr val="dk1"/>
           </a:effectRef>
           <a:fontRef idx="minor">
             <a:schemeClr val="tx1"/>
@@ -20612,10 +22578,56 @@
       </p:cxnSp>
       <p:sp>
         <p:nvSpPr>
-          <p:cNvPr id="8" name="文字方塊 7">
-            <a:extLst>
-              <a:ext uri="{FF2B5EF4-FFF2-40B4-BE49-F238E27FC236}">
-                <a16:creationId xmlns:a16="http://schemas.microsoft.com/office/drawing/2014/main" id="{972F04E5-4C72-4920-BF01-1248FE432A9A}"/>
+          <p:cNvPr id="19" name="矩形 18">
+            <a:extLst>
+              <a:ext uri="{FF2B5EF4-FFF2-40B4-BE49-F238E27FC236}">
+                <a16:creationId xmlns:a16="http://schemas.microsoft.com/office/drawing/2014/main" id="{3C22A701-A077-3779-DE05-37B925B2A686}"/>
+              </a:ext>
+            </a:extLst>
+          </p:cNvPr>
+          <p:cNvSpPr/>
+          <p:nvPr/>
+        </p:nvSpPr>
+        <p:spPr>
+          <a:xfrm>
+            <a:off x="7259129" y="5874588"/>
+            <a:ext cx="388189" cy="69012"/>
+          </a:xfrm>
+          <a:prstGeom prst="rect">
+            <a:avLst/>
+          </a:prstGeom>
+        </p:spPr>
+        <p:style>
+          <a:lnRef idx="2">
+            <a:schemeClr val="accent3">
+              <a:shade val="15000"/>
+            </a:schemeClr>
+          </a:lnRef>
+          <a:fillRef idx="1">
+            <a:schemeClr val="accent3"/>
+          </a:fillRef>
+          <a:effectRef idx="0">
+            <a:schemeClr val="accent3"/>
+          </a:effectRef>
+          <a:fontRef idx="minor">
+            <a:schemeClr val="lt1"/>
+          </a:fontRef>
+        </p:style>
+        <p:txBody>
+          <a:bodyPr rtlCol="0" anchor="ctr"/>
+          <a:lstStyle/>
+          <a:p>
+            <a:pPr algn="ctr"/>
+            <a:endParaRPr lang="zh-TW" altLang="en-US"/>
+          </a:p>
+        </p:txBody>
+      </p:sp>
+      <p:sp>
+        <p:nvSpPr>
+          <p:cNvPr id="20" name="文字方塊 19">
+            <a:extLst>
+              <a:ext uri="{FF2B5EF4-FFF2-40B4-BE49-F238E27FC236}">
+                <a16:creationId xmlns:a16="http://schemas.microsoft.com/office/drawing/2014/main" id="{013E6888-EB22-466B-117D-F380B85D628B}"/>
               </a:ext>
             </a:extLst>
           </p:cNvPr>
@@ -20624,8 +22636,8 @@
         </p:nvSpPr>
         <p:spPr>
           <a:xfrm>
-            <a:off x="3414608" y="3382787"/>
-            <a:ext cx="1216404" cy="369332"/>
+            <a:off x="7932665" y="4934309"/>
+            <a:ext cx="2584849" cy="1200329"/>
           </a:xfrm>
           <a:prstGeom prst="rect">
             <a:avLst/>
@@ -20643,81 +22655,99 @@
                 <a:latin typeface="標楷體" panose="03000509000000000000" pitchFamily="65" charset="-120"/>
                 <a:ea typeface="標楷體" panose="03000509000000000000" pitchFamily="65" charset="-120"/>
               </a:rPr>
-              <a:t>參數帶入</a:t>
+              <a:t>寬度為</a:t>
+            </a:r>
+            <a:r>
+              <a:rPr lang="en-US" altLang="zh-TW" dirty="0">
+                <a:latin typeface="標楷體" panose="03000509000000000000" pitchFamily="65" charset="-120"/>
+                <a:ea typeface="標楷體" panose="03000509000000000000" pitchFamily="65" charset="-120"/>
+              </a:rPr>
+              <a:t>200</a:t>
+            </a:r>
+            <a:r>
+              <a:rPr lang="zh-TW" altLang="en-US" dirty="0">
+                <a:latin typeface="標楷體" panose="03000509000000000000" pitchFamily="65" charset="-120"/>
+                <a:ea typeface="標楷體" panose="03000509000000000000" pitchFamily="65" charset="-120"/>
+              </a:rPr>
+              <a:t>，假設預測落點為</a:t>
+            </a:r>
+            <a:r>
+              <a:rPr lang="en-US" altLang="zh-TW" dirty="0">
+                <a:latin typeface="標楷體" panose="03000509000000000000" pitchFamily="65" charset="-120"/>
+                <a:ea typeface="標楷體" panose="03000509000000000000" pitchFamily="65" charset="-120"/>
+              </a:rPr>
+              <a:t>0~-200</a:t>
+            </a:r>
+            <a:r>
+              <a:rPr lang="zh-TW" altLang="en-US" dirty="0">
+                <a:latin typeface="標楷體" panose="03000509000000000000" pitchFamily="65" charset="-120"/>
+                <a:ea typeface="標楷體" panose="03000509000000000000" pitchFamily="65" charset="-120"/>
+              </a:rPr>
+              <a:t>之間，則為鏡像，所以去負號就能為正確</a:t>
+            </a:r>
+            <a:r>
+              <a:rPr lang="en-US" altLang="zh-TW" dirty="0">
+                <a:latin typeface="標楷體" panose="03000509000000000000" pitchFamily="65" charset="-120"/>
+                <a:ea typeface="標楷體" panose="03000509000000000000" pitchFamily="65" charset="-120"/>
+              </a:rPr>
+              <a:t>x</a:t>
+            </a:r>
+            <a:r>
+              <a:rPr lang="zh-TW" altLang="en-US" dirty="0">
+                <a:latin typeface="標楷體" panose="03000509000000000000" pitchFamily="65" charset="-120"/>
+                <a:ea typeface="標楷體" panose="03000509000000000000" pitchFamily="65" charset="-120"/>
+              </a:rPr>
+              <a:t>位置</a:t>
             </a:r>
           </a:p>
         </p:txBody>
       </p:sp>
-      <p:pic>
-        <p:nvPicPr>
-          <p:cNvPr id="11" name="圖片 10">
-            <a:extLst>
-              <a:ext uri="{FF2B5EF4-FFF2-40B4-BE49-F238E27FC236}">
-                <a16:creationId xmlns:a16="http://schemas.microsoft.com/office/drawing/2014/main" id="{3A36381F-8962-4A6B-8AC1-9A9085ACDBAC}"/>
-              </a:ext>
-            </a:extLst>
-          </p:cNvPr>
-          <p:cNvPicPr>
-            <a:picLocks noChangeAspect="1"/>
-          </p:cNvPicPr>
+      <p:sp>
+        <p:nvSpPr>
+          <p:cNvPr id="21" name="橢圓 20">
+            <a:extLst>
+              <a:ext uri="{FF2B5EF4-FFF2-40B4-BE49-F238E27FC236}">
+                <a16:creationId xmlns:a16="http://schemas.microsoft.com/office/drawing/2014/main" id="{6C7BEB9D-527C-B3A2-151E-A336692E676B}"/>
+              </a:ext>
+            </a:extLst>
+          </p:cNvPr>
+          <p:cNvSpPr/>
           <p:nvPr/>
-        </p:nvPicPr>
-        <p:blipFill>
-          <a:blip r:embed="rId2"/>
-          <a:stretch>
-            <a:fillRect/>
-          </a:stretch>
-        </p:blipFill>
+        </p:nvSpPr>
         <p:spPr>
           <a:xfrm>
-            <a:off x="2087837" y="2396325"/>
-            <a:ext cx="2543175" cy="695325"/>
+            <a:off x="7099538" y="4245503"/>
+            <a:ext cx="140899" cy="136213"/>
           </a:xfrm>
-          <a:prstGeom prst="rect">
+          <a:prstGeom prst="ellipse">
             <a:avLst/>
           </a:prstGeom>
-          <a:ln>
-            <a:solidFill>
-              <a:schemeClr val="tx1"/>
-            </a:solidFill>
-          </a:ln>
         </p:spPr>
-      </p:pic>
-      <p:pic>
-        <p:nvPicPr>
-          <p:cNvPr id="15" name="圖片 14">
-            <a:extLst>
-              <a:ext uri="{FF2B5EF4-FFF2-40B4-BE49-F238E27FC236}">
-                <a16:creationId xmlns:a16="http://schemas.microsoft.com/office/drawing/2014/main" id="{451713D1-7A58-42FE-9A9C-33B054DC0969}"/>
-              </a:ext>
-            </a:extLst>
-          </p:cNvPr>
-          <p:cNvPicPr>
-            <a:picLocks noChangeAspect="1"/>
-          </p:cNvPicPr>
-          <p:nvPr/>
-        </p:nvPicPr>
-        <p:blipFill>
-          <a:blip r:embed="rId3"/>
-          <a:stretch>
-            <a:fillRect/>
-          </a:stretch>
-        </p:blipFill>
-        <p:spPr>
-          <a:xfrm>
-            <a:off x="1801502" y="3920309"/>
-            <a:ext cx="3028950" cy="1468700"/>
-          </a:xfrm>
-          <a:prstGeom prst="rect">
-            <a:avLst/>
-          </a:prstGeom>
-          <a:ln>
-            <a:solidFill>
-              <a:schemeClr val="tx1"/>
-            </a:solidFill>
-          </a:ln>
-        </p:spPr>
-      </p:pic>
+        <p:style>
+          <a:lnRef idx="2">
+            <a:schemeClr val="dk1">
+              <a:shade val="15000"/>
+            </a:schemeClr>
+          </a:lnRef>
+          <a:fillRef idx="1">
+            <a:schemeClr val="dk1"/>
+          </a:fillRef>
+          <a:effectRef idx="0">
+            <a:schemeClr val="dk1"/>
+          </a:effectRef>
+          <a:fontRef idx="minor">
+            <a:schemeClr val="lt1"/>
+          </a:fontRef>
+        </p:style>
+        <p:txBody>
+          <a:bodyPr rtlCol="0" anchor="ctr"/>
+          <a:lstStyle/>
+          <a:p>
+            <a:pPr algn="ctr"/>
+            <a:endParaRPr lang="zh-TW" altLang="en-US"/>
+          </a:p>
+        </p:txBody>
+      </p:sp>
     </p:spTree>
     <p:extLst>
       <p:ext uri="{BB962C8B-B14F-4D97-AF65-F5344CB8AC3E}">
